--- a/transloc/The TRANSLOC database and other translocation databases WP2.pptx
+++ b/transloc/The TRANSLOC database and other translocation databases WP2.pptx
@@ -6854,9 +6854,62 @@
           <a:chExt cx="0" cy="0"/>
         </a:xfrm>
       </p:grpSpPr>
+      <p:sp>
+        <p:nvSpPr>
+          <p:cNvPr name="Freeform 2" id="2"/>
+          <p:cNvSpPr/>
+          <p:nvPr/>
+        </p:nvSpPr>
+        <p:spPr>
+          <a:xfrm flipH="false" flipV="false" rot="0">
+            <a:off x="3378018" y="-1988296"/>
+            <a:ext cx="7053003" cy="7264329"/>
+          </a:xfrm>
+          <a:custGeom>
+            <a:avLst/>
+            <a:gdLst/>
+            <a:ahLst/>
+            <a:cxnLst/>
+            <a:rect r="r" b="b" t="t" l="l"/>
+            <a:pathLst>
+              <a:path h="7264329" w="7053003">
+                <a:moveTo>
+                  <a:pt x="0" y="0"/>
+                </a:moveTo>
+                <a:lnTo>
+                  <a:pt x="7053004" y="0"/>
+                </a:lnTo>
+                <a:lnTo>
+                  <a:pt x="7053004" y="7264330"/>
+                </a:lnTo>
+                <a:lnTo>
+                  <a:pt x="0" y="7264330"/>
+                </a:lnTo>
+                <a:lnTo>
+                  <a:pt x="0" y="0"/>
+                </a:lnTo>
+                <a:close/>
+              </a:path>
+            </a:pathLst>
+          </a:custGeom>
+          <a:blipFill>
+            <a:blip r:embed="rId3">
+              <a:alphaModFix amt="5000"/>
+              <a:extLst>
+                <a:ext uri="{96DAC541-7B7A-43D3-8B79-37D633B846F1}">
+                  <asvg:svgBlip xmlns:asvg="http://schemas.microsoft.com/office/drawing/2016/SVG/main" r:embed="rId4"/>
+                </a:ext>
+              </a:extLst>
+            </a:blip>
+            <a:stretch>
+              <a:fillRect l="0" t="0" r="0" b="0"/>
+            </a:stretch>
+          </a:blipFill>
+        </p:spPr>
+      </p:sp>
       <p:grpSp>
         <p:nvGrpSpPr>
-          <p:cNvPr name="Group 2" id="2"/>
+          <p:cNvPr name="Group 3" id="3"/>
           <p:cNvGrpSpPr/>
           <p:nvPr/>
         </p:nvGrpSpPr>
@@ -6870,7 +6923,7 @@
         </p:grpSpPr>
         <p:sp>
           <p:nvSpPr>
-            <p:cNvPr name="Freeform 3" id="3"/>
+            <p:cNvPr name="Freeform 4" id="4"/>
             <p:cNvSpPr/>
             <p:nvPr/>
           </p:nvSpPr>
@@ -6912,7 +6965,7 @@
         </p:sp>
         <p:sp>
           <p:nvSpPr>
-            <p:cNvPr name="TextBox 4" id="4"/>
+            <p:cNvPr name="TextBox 5" id="5"/>
             <p:cNvSpPr txBox="true"/>
             <p:nvPr/>
           </p:nvSpPr>
@@ -6952,7 +7005,7 @@
       </p:grpSp>
       <p:sp>
         <p:nvSpPr>
-          <p:cNvPr name="TextBox 5" id="5"/>
+          <p:cNvPr name="TextBox 6" id="6"/>
           <p:cNvSpPr txBox="true"/>
           <p:nvPr/>
         </p:nvSpPr>
@@ -7019,7 +7072,7 @@
       </p:sp>
       <p:sp>
         <p:nvSpPr>
-          <p:cNvPr name="Freeform 6" id="6"/>
+          <p:cNvPr name="Freeform 7" id="7"/>
           <p:cNvSpPr/>
           <p:nvPr/>
         </p:nvSpPr>
@@ -7056,7 +7109,7 @@
             </a:pathLst>
           </a:custGeom>
           <a:blipFill>
-            <a:blip r:embed="rId3"/>
+            <a:blip r:embed="rId5"/>
             <a:stretch>
               <a:fillRect l="0" t="-51421" r="0" b="-66264"/>
             </a:stretch>
@@ -7065,7 +7118,7 @@
       </p:sp>
       <p:sp>
         <p:nvSpPr>
-          <p:cNvPr name="Freeform 7" id="7"/>
+          <p:cNvPr name="Freeform 8" id="8"/>
           <p:cNvSpPr/>
           <p:nvPr/>
         </p:nvSpPr>
@@ -7093,98 +7146,6 @@
                 </a:lnTo>
                 <a:lnTo>
                   <a:pt x="0" y="2112016"/>
-                </a:lnTo>
-                <a:lnTo>
-                  <a:pt x="0" y="0"/>
-                </a:lnTo>
-                <a:close/>
-              </a:path>
-            </a:pathLst>
-          </a:custGeom>
-          <a:blipFill>
-            <a:blip r:embed="rId4"/>
-            <a:stretch>
-              <a:fillRect l="0" t="0" r="0" b="0"/>
-            </a:stretch>
-          </a:blipFill>
-        </p:spPr>
-      </p:sp>
-      <p:sp>
-        <p:nvSpPr>
-          <p:cNvPr name="Freeform 8" id="8"/>
-          <p:cNvSpPr/>
-          <p:nvPr/>
-        </p:nvSpPr>
-        <p:spPr>
-          <a:xfrm flipH="false" flipV="false" rot="0">
-            <a:off x="4603163" y="5426054"/>
-            <a:ext cx="1214046" cy="1364920"/>
-          </a:xfrm>
-          <a:custGeom>
-            <a:avLst/>
-            <a:gdLst/>
-            <a:ahLst/>
-            <a:cxnLst/>
-            <a:rect r="r" b="b" t="t" l="l"/>
-            <a:pathLst>
-              <a:path h="1364920" w="1214046">
-                <a:moveTo>
-                  <a:pt x="0" y="0"/>
-                </a:moveTo>
-                <a:lnTo>
-                  <a:pt x="1214046" y="0"/>
-                </a:lnTo>
-                <a:lnTo>
-                  <a:pt x="1214046" y="1364920"/>
-                </a:lnTo>
-                <a:lnTo>
-                  <a:pt x="0" y="1364920"/>
-                </a:lnTo>
-                <a:lnTo>
-                  <a:pt x="0" y="0"/>
-                </a:lnTo>
-                <a:close/>
-              </a:path>
-            </a:pathLst>
-          </a:custGeom>
-          <a:blipFill>
-            <a:blip r:embed="rId5"/>
-            <a:stretch>
-              <a:fillRect l="0" t="0" r="0" b="0"/>
-            </a:stretch>
-          </a:blipFill>
-        </p:spPr>
-      </p:sp>
-      <p:sp>
-        <p:nvSpPr>
-          <p:cNvPr name="Freeform 9" id="9"/>
-          <p:cNvSpPr/>
-          <p:nvPr/>
-        </p:nvSpPr>
-        <p:spPr>
-          <a:xfrm flipH="false" flipV="false" rot="0">
-            <a:off x="6047929" y="5276781"/>
-            <a:ext cx="2217955" cy="1663467"/>
-          </a:xfrm>
-          <a:custGeom>
-            <a:avLst/>
-            <a:gdLst/>
-            <a:ahLst/>
-            <a:cxnLst/>
-            <a:rect r="r" b="b" t="t" l="l"/>
-            <a:pathLst>
-              <a:path h="1663467" w="2217955">
-                <a:moveTo>
-                  <a:pt x="0" y="0"/>
-                </a:moveTo>
-                <a:lnTo>
-                  <a:pt x="2217956" y="0"/>
-                </a:lnTo>
-                <a:lnTo>
-                  <a:pt x="2217956" y="1663466"/>
-                </a:lnTo>
-                <a:lnTo>
-                  <a:pt x="0" y="1663466"/>
                 </a:lnTo>
                 <a:lnTo>
                   <a:pt x="0" y="0"/>
@@ -7203,14 +7164,14 @@
       </p:sp>
       <p:sp>
         <p:nvSpPr>
-          <p:cNvPr name="Freeform 10" id="10"/>
+          <p:cNvPr name="Freeform 9" id="9"/>
           <p:cNvSpPr/>
           <p:nvPr/>
         </p:nvSpPr>
         <p:spPr>
           <a:xfrm flipH="false" flipV="false" rot="0">
-            <a:off x="3378018" y="-1988296"/>
-            <a:ext cx="7053003" cy="7264329"/>
+            <a:off x="4603163" y="5426054"/>
+            <a:ext cx="1214046" cy="1364920"/>
           </a:xfrm>
           <a:custGeom>
             <a:avLst/>
@@ -7219,18 +7180,18 @@
             <a:cxnLst/>
             <a:rect r="r" b="b" t="t" l="l"/>
             <a:pathLst>
-              <a:path h="7264329" w="7053003">
+              <a:path h="1364920" w="1214046">
                 <a:moveTo>
                   <a:pt x="0" y="0"/>
                 </a:moveTo>
                 <a:lnTo>
-                  <a:pt x="7053004" y="0"/>
-                </a:lnTo>
-                <a:lnTo>
-                  <a:pt x="7053004" y="7264330"/>
-                </a:lnTo>
-                <a:lnTo>
-                  <a:pt x="0" y="7264330"/>
+                  <a:pt x="1214046" y="0"/>
+                </a:lnTo>
+                <a:lnTo>
+                  <a:pt x="1214046" y="1364920"/>
+                </a:lnTo>
+                <a:lnTo>
+                  <a:pt x="0" y="1364920"/>
                 </a:lnTo>
                 <a:lnTo>
                   <a:pt x="0" y="0"/>
@@ -7240,14 +7201,53 @@
             </a:pathLst>
           </a:custGeom>
           <a:blipFill>
-            <a:blip r:embed="rId7">
-              <a:alphaModFix amt="5000"/>
-              <a:extLst>
-                <a:ext uri="{96DAC541-7B7A-43D3-8B79-37D633B846F1}">
-                  <asvg:svgBlip xmlns:asvg="http://schemas.microsoft.com/office/drawing/2016/SVG/main" r:embed="rId8"/>
-                </a:ext>
-              </a:extLst>
-            </a:blip>
+            <a:blip r:embed="rId7"/>
+            <a:stretch>
+              <a:fillRect l="0" t="0" r="0" b="0"/>
+            </a:stretch>
+          </a:blipFill>
+        </p:spPr>
+      </p:sp>
+      <p:sp>
+        <p:nvSpPr>
+          <p:cNvPr name="Freeform 10" id="10"/>
+          <p:cNvSpPr/>
+          <p:nvPr/>
+        </p:nvSpPr>
+        <p:spPr>
+          <a:xfrm flipH="false" flipV="false" rot="0">
+            <a:off x="6047929" y="5276781"/>
+            <a:ext cx="2217955" cy="1663467"/>
+          </a:xfrm>
+          <a:custGeom>
+            <a:avLst/>
+            <a:gdLst/>
+            <a:ahLst/>
+            <a:cxnLst/>
+            <a:rect r="r" b="b" t="t" l="l"/>
+            <a:pathLst>
+              <a:path h="1663467" w="2217955">
+                <a:moveTo>
+                  <a:pt x="0" y="0"/>
+                </a:moveTo>
+                <a:lnTo>
+                  <a:pt x="2217956" y="0"/>
+                </a:lnTo>
+                <a:lnTo>
+                  <a:pt x="2217956" y="1663466"/>
+                </a:lnTo>
+                <a:lnTo>
+                  <a:pt x="0" y="1663466"/>
+                </a:lnTo>
+                <a:lnTo>
+                  <a:pt x="0" y="0"/>
+                </a:lnTo>
+                <a:close/>
+              </a:path>
+            </a:pathLst>
+          </a:custGeom>
+          <a:blipFill>
+            <a:blip r:embed="rId8"/>
             <a:stretch>
               <a:fillRect l="0" t="0" r="0" b="0"/>
             </a:stretch>
@@ -7286,9 +7286,57 @@
           <a:chExt cx="0" cy="0"/>
         </a:xfrm>
       </p:grpSpPr>
+      <p:sp>
+        <p:nvSpPr>
+          <p:cNvPr name="Freeform 2" id="2"/>
+          <p:cNvSpPr/>
+          <p:nvPr/>
+        </p:nvSpPr>
+        <p:spPr>
+          <a:xfrm flipH="false" flipV="false" rot="0">
+            <a:off x="2114761" y="85952"/>
+            <a:ext cx="7922880" cy="8129830"/>
+          </a:xfrm>
+          <a:custGeom>
+            <a:avLst/>
+            <a:gdLst/>
+            <a:ahLst/>
+            <a:cxnLst/>
+            <a:rect r="r" b="b" t="t" l="l"/>
+            <a:pathLst>
+              <a:path h="8129830" w="7922880">
+                <a:moveTo>
+                  <a:pt x="0" y="0"/>
+                </a:moveTo>
+                <a:lnTo>
+                  <a:pt x="7922880" y="0"/>
+                </a:lnTo>
+                <a:lnTo>
+                  <a:pt x="7922880" y="8129830"/>
+                </a:lnTo>
+                <a:lnTo>
+                  <a:pt x="0" y="8129830"/>
+                </a:lnTo>
+                <a:lnTo>
+                  <a:pt x="0" y="0"/>
+                </a:lnTo>
+                <a:close/>
+              </a:path>
+            </a:pathLst>
+          </a:custGeom>
+          <a:blipFill>
+            <a:blip r:embed="rId3">
+              <a:alphaModFix amt="12000"/>
+            </a:blip>
+            <a:stretch>
+              <a:fillRect l="-28466" t="-12761" r="-34159" b="-6103"/>
+            </a:stretch>
+          </a:blipFill>
+        </p:spPr>
+      </p:sp>
       <p:grpSp>
         <p:nvGrpSpPr>
-          <p:cNvPr name="Group 2" id="2"/>
+          <p:cNvPr name="Group 3" id="3"/>
           <p:cNvGrpSpPr/>
           <p:nvPr/>
         </p:nvGrpSpPr>
@@ -7302,7 +7350,7 @@
         </p:grpSpPr>
         <p:sp>
           <p:nvSpPr>
-            <p:cNvPr name="Freeform 3" id="3"/>
+            <p:cNvPr name="Freeform 4" id="4"/>
             <p:cNvSpPr/>
             <p:nvPr/>
           </p:nvSpPr>
@@ -7344,7 +7392,7 @@
         </p:sp>
         <p:sp>
           <p:nvSpPr>
-            <p:cNvPr name="TextBox 4" id="4"/>
+            <p:cNvPr name="TextBox 5" id="5"/>
             <p:cNvSpPr txBox="true"/>
             <p:nvPr/>
           </p:nvSpPr>
@@ -7384,7 +7432,7 @@
       </p:grpSp>
       <p:sp>
         <p:nvSpPr>
-          <p:cNvPr name="TextBox 5" id="5"/>
+          <p:cNvPr name="TextBox 6" id="6"/>
           <p:cNvSpPr txBox="true"/>
           <p:nvPr/>
         </p:nvSpPr>
@@ -7484,7 +7532,7 @@
       </p:sp>
       <p:sp>
         <p:nvSpPr>
-          <p:cNvPr name="Freeform 6" id="6"/>
+          <p:cNvPr name="Freeform 7" id="7"/>
           <p:cNvSpPr/>
           <p:nvPr/>
         </p:nvSpPr>
@@ -7530,7 +7578,7 @@
       </p:sp>
       <p:sp>
         <p:nvSpPr>
-          <p:cNvPr name="Freeform 7" id="7"/>
+          <p:cNvPr name="Freeform 8" id="8"/>
           <p:cNvSpPr/>
           <p:nvPr/>
         </p:nvSpPr>
@@ -7576,7 +7624,7 @@
       </p:sp>
       <p:sp>
         <p:nvSpPr>
-          <p:cNvPr name="Freeform 8" id="8"/>
+          <p:cNvPr name="Freeform 9" id="9"/>
           <p:cNvSpPr/>
           <p:nvPr/>
         </p:nvSpPr>
@@ -7614,54 +7662,6 @@
           </a:custGeom>
           <a:blipFill>
             <a:blip r:embed="rId3"/>
-            <a:stretch>
-              <a:fillRect l="-28466" t="-12761" r="-34159" b="-6103"/>
-            </a:stretch>
-          </a:blipFill>
-        </p:spPr>
-      </p:sp>
-      <p:sp>
-        <p:nvSpPr>
-          <p:cNvPr name="Freeform 9" id="9"/>
-          <p:cNvSpPr/>
-          <p:nvPr/>
-        </p:nvSpPr>
-        <p:spPr>
-          <a:xfrm flipH="false" flipV="false" rot="0">
-            <a:off x="2114761" y="85952"/>
-            <a:ext cx="7922880" cy="8129830"/>
-          </a:xfrm>
-          <a:custGeom>
-            <a:avLst/>
-            <a:gdLst/>
-            <a:ahLst/>
-            <a:cxnLst/>
-            <a:rect r="r" b="b" t="t" l="l"/>
-            <a:pathLst>
-              <a:path h="8129830" w="7922880">
-                <a:moveTo>
-                  <a:pt x="0" y="0"/>
-                </a:moveTo>
-                <a:lnTo>
-                  <a:pt x="7922880" y="0"/>
-                </a:lnTo>
-                <a:lnTo>
-                  <a:pt x="7922880" y="8129830"/>
-                </a:lnTo>
-                <a:lnTo>
-                  <a:pt x="0" y="8129830"/>
-                </a:lnTo>
-                <a:lnTo>
-                  <a:pt x="0" y="0"/>
-                </a:lnTo>
-                <a:close/>
-              </a:path>
-            </a:pathLst>
-          </a:custGeom>
-          <a:blipFill>
-            <a:blip r:embed="rId3">
-              <a:alphaModFix amt="12000"/>
-            </a:blip>
             <a:stretch>
               <a:fillRect l="-28466" t="-12761" r="-34159" b="-6103"/>
             </a:stretch>
@@ -7700,9 +7700,57 @@
           <a:chExt cx="0" cy="0"/>
         </a:xfrm>
       </p:grpSpPr>
+      <p:sp>
+        <p:nvSpPr>
+          <p:cNvPr name="Freeform 2" id="2"/>
+          <p:cNvSpPr/>
+          <p:nvPr/>
+        </p:nvSpPr>
+        <p:spPr>
+          <a:xfrm flipH="false" flipV="false" rot="0">
+            <a:off x="1863597" y="1210324"/>
+            <a:ext cx="8092424" cy="7004291"/>
+          </a:xfrm>
+          <a:custGeom>
+            <a:avLst/>
+            <a:gdLst/>
+            <a:ahLst/>
+            <a:cxnLst/>
+            <a:rect r="r" b="b" t="t" l="l"/>
+            <a:pathLst>
+              <a:path h="7004291" w="8092424">
+                <a:moveTo>
+                  <a:pt x="0" y="0"/>
+                </a:moveTo>
+                <a:lnTo>
+                  <a:pt x="8092424" y="0"/>
+                </a:lnTo>
+                <a:lnTo>
+                  <a:pt x="8092424" y="7004291"/>
+                </a:lnTo>
+                <a:lnTo>
+                  <a:pt x="0" y="7004291"/>
+                </a:lnTo>
+                <a:lnTo>
+                  <a:pt x="0" y="0"/>
+                </a:lnTo>
+                <a:close/>
+              </a:path>
+            </a:pathLst>
+          </a:custGeom>
+          <a:blipFill>
+            <a:blip r:embed="rId3">
+              <a:alphaModFix amt="18000"/>
+            </a:blip>
+            <a:stretch>
+              <a:fillRect l="0" t="0" r="0" b="0"/>
+            </a:stretch>
+          </a:blipFill>
+        </p:spPr>
+      </p:sp>
       <p:grpSp>
         <p:nvGrpSpPr>
-          <p:cNvPr name="Group 2" id="2"/>
+          <p:cNvPr name="Group 3" id="3"/>
           <p:cNvGrpSpPr/>
           <p:nvPr/>
         </p:nvGrpSpPr>
@@ -7716,7 +7764,7 @@
         </p:grpSpPr>
         <p:sp>
           <p:nvSpPr>
-            <p:cNvPr name="Freeform 3" id="3"/>
+            <p:cNvPr name="Freeform 4" id="4"/>
             <p:cNvSpPr/>
             <p:nvPr/>
           </p:nvSpPr>
@@ -7758,7 +7806,7 @@
         </p:sp>
         <p:sp>
           <p:nvSpPr>
-            <p:cNvPr name="TextBox 4" id="4"/>
+            <p:cNvPr name="TextBox 5" id="5"/>
             <p:cNvSpPr txBox="true"/>
             <p:nvPr/>
           </p:nvSpPr>
@@ -7798,7 +7846,7 @@
       </p:grpSp>
       <p:sp>
         <p:nvSpPr>
-          <p:cNvPr name="TextBox 5" id="5"/>
+          <p:cNvPr name="TextBox 6" id="6"/>
           <p:cNvSpPr txBox="true"/>
           <p:nvPr/>
         </p:nvSpPr>
@@ -7924,7 +7972,7 @@
       </p:sp>
       <p:sp>
         <p:nvSpPr>
-          <p:cNvPr name="Freeform 6" id="6"/>
+          <p:cNvPr name="Freeform 7" id="7"/>
           <p:cNvSpPr/>
           <p:nvPr/>
         </p:nvSpPr>
@@ -7961,7 +8009,7 @@
             </a:pathLst>
           </a:custGeom>
           <a:blipFill>
-            <a:blip r:embed="rId3"/>
+            <a:blip r:embed="rId4"/>
             <a:stretch>
               <a:fillRect l="-28466" t="-12761" r="-34159" b="-6103"/>
             </a:stretch>
@@ -7970,7 +8018,7 @@
       </p:sp>
       <p:sp>
         <p:nvSpPr>
-          <p:cNvPr name="Freeform 7" id="7"/>
+          <p:cNvPr name="Freeform 8" id="8"/>
           <p:cNvSpPr/>
           <p:nvPr/>
         </p:nvSpPr>
@@ -8007,7 +8055,7 @@
             </a:pathLst>
           </a:custGeom>
           <a:blipFill>
-            <a:blip r:embed="rId3"/>
+            <a:blip r:embed="rId4"/>
             <a:stretch>
               <a:fillRect l="-28466" t="-12761" r="-34159" b="-6103"/>
             </a:stretch>
@@ -8016,7 +8064,7 @@
       </p:sp>
       <p:sp>
         <p:nvSpPr>
-          <p:cNvPr name="Freeform 8" id="8"/>
+          <p:cNvPr name="Freeform 9" id="9"/>
           <p:cNvSpPr/>
           <p:nvPr/>
         </p:nvSpPr>
@@ -8053,7 +8101,7 @@
             </a:pathLst>
           </a:custGeom>
           <a:blipFill>
-            <a:blip r:embed="rId3"/>
+            <a:blip r:embed="rId4"/>
             <a:stretch>
               <a:fillRect l="-28466" t="-12761" r="-34159" b="-6103"/>
             </a:stretch>
@@ -8062,7 +8110,7 @@
       </p:sp>
       <p:sp>
         <p:nvSpPr>
-          <p:cNvPr name="Freeform 9" id="9"/>
+          <p:cNvPr name="Freeform 10" id="10"/>
           <p:cNvSpPr/>
           <p:nvPr/>
         </p:nvSpPr>
@@ -8099,57 +8147,9 @@
             </a:pathLst>
           </a:custGeom>
           <a:blipFill>
-            <a:blip r:embed="rId3"/>
+            <a:blip r:embed="rId4"/>
             <a:stretch>
               <a:fillRect l="-28466" t="-12761" r="-34159" b="-6103"/>
-            </a:stretch>
-          </a:blipFill>
-        </p:spPr>
-      </p:sp>
-      <p:sp>
-        <p:nvSpPr>
-          <p:cNvPr name="Freeform 10" id="10"/>
-          <p:cNvSpPr/>
-          <p:nvPr/>
-        </p:nvSpPr>
-        <p:spPr>
-          <a:xfrm flipH="false" flipV="false" rot="0">
-            <a:off x="1863597" y="1210324"/>
-            <a:ext cx="8092424" cy="7004291"/>
-          </a:xfrm>
-          <a:custGeom>
-            <a:avLst/>
-            <a:gdLst/>
-            <a:ahLst/>
-            <a:cxnLst/>
-            <a:rect r="r" b="b" t="t" l="l"/>
-            <a:pathLst>
-              <a:path h="7004291" w="8092424">
-                <a:moveTo>
-                  <a:pt x="0" y="0"/>
-                </a:moveTo>
-                <a:lnTo>
-                  <a:pt x="8092424" y="0"/>
-                </a:lnTo>
-                <a:lnTo>
-                  <a:pt x="8092424" y="7004291"/>
-                </a:lnTo>
-                <a:lnTo>
-                  <a:pt x="0" y="7004291"/>
-                </a:lnTo>
-                <a:lnTo>
-                  <a:pt x="0" y="0"/>
-                </a:lnTo>
-                <a:close/>
-              </a:path>
-            </a:pathLst>
-          </a:custGeom>
-          <a:blipFill>
-            <a:blip r:embed="rId4">
-              <a:alphaModFix amt="18000"/>
-            </a:blip>
-            <a:stretch>
-              <a:fillRect l="0" t="0" r="0" b="0"/>
             </a:stretch>
           </a:blipFill>
         </p:spPr>
@@ -8303,7 +8303,55 @@
       </p:grpSp>
       <p:sp>
         <p:nvSpPr>
-          <p:cNvPr name="TextBox 5" id="5"/>
+          <p:cNvPr name="Freeform 5" id="5"/>
+          <p:cNvSpPr/>
+          <p:nvPr/>
+        </p:nvSpPr>
+        <p:spPr>
+          <a:xfrm flipH="false" flipV="false" rot="0">
+            <a:off x="-263717" y="1950062"/>
+            <a:ext cx="10802292" cy="5365138"/>
+          </a:xfrm>
+          <a:custGeom>
+            <a:avLst/>
+            <a:gdLst/>
+            <a:ahLst/>
+            <a:cxnLst/>
+            <a:rect r="r" b="b" t="t" l="l"/>
+            <a:pathLst>
+              <a:path h="5365138" w="10802292">
+                <a:moveTo>
+                  <a:pt x="0" y="0"/>
+                </a:moveTo>
+                <a:lnTo>
+                  <a:pt x="10802291" y="0"/>
+                </a:lnTo>
+                <a:lnTo>
+                  <a:pt x="10802291" y="5365138"/>
+                </a:lnTo>
+                <a:lnTo>
+                  <a:pt x="0" y="5365138"/>
+                </a:lnTo>
+                <a:lnTo>
+                  <a:pt x="0" y="0"/>
+                </a:lnTo>
+                <a:close/>
+              </a:path>
+            </a:pathLst>
+          </a:custGeom>
+          <a:blipFill>
+            <a:blip r:embed="rId3">
+              <a:alphaModFix amt="19999"/>
+            </a:blip>
+            <a:stretch>
+              <a:fillRect l="0" t="0" r="0" b="0"/>
+            </a:stretch>
+          </a:blipFill>
+        </p:spPr>
+      </p:sp>
+      <p:sp>
+        <p:nvSpPr>
+          <p:cNvPr name="TextBox 6" id="6"/>
           <p:cNvSpPr txBox="true"/>
           <p:nvPr/>
         </p:nvSpPr>
@@ -8429,7 +8477,7 @@
       </p:sp>
       <p:sp>
         <p:nvSpPr>
-          <p:cNvPr name="Freeform 6" id="6"/>
+          <p:cNvPr name="Freeform 7" id="7"/>
           <p:cNvSpPr/>
           <p:nvPr/>
         </p:nvSpPr>
@@ -8466,7 +8514,7 @@
             </a:pathLst>
           </a:custGeom>
           <a:blipFill>
-            <a:blip r:embed="rId3"/>
+            <a:blip r:embed="rId4"/>
             <a:stretch>
               <a:fillRect l="-28466" t="-12761" r="-34159" b="-6103"/>
             </a:stretch>
@@ -8475,7 +8523,7 @@
       </p:sp>
       <p:sp>
         <p:nvSpPr>
-          <p:cNvPr name="Freeform 7" id="7"/>
+          <p:cNvPr name="Freeform 8" id="8"/>
           <p:cNvSpPr/>
           <p:nvPr/>
         </p:nvSpPr>
@@ -8512,7 +8560,7 @@
             </a:pathLst>
           </a:custGeom>
           <a:blipFill>
-            <a:blip r:embed="rId3"/>
+            <a:blip r:embed="rId4"/>
             <a:stretch>
               <a:fillRect l="-28466" t="-12761" r="-34159" b="-6103"/>
             </a:stretch>
@@ -8521,7 +8569,7 @@
       </p:sp>
       <p:sp>
         <p:nvSpPr>
-          <p:cNvPr name="Freeform 8" id="8"/>
+          <p:cNvPr name="Freeform 9" id="9"/>
           <p:cNvSpPr/>
           <p:nvPr/>
         </p:nvSpPr>
@@ -8558,7 +8606,7 @@
             </a:pathLst>
           </a:custGeom>
           <a:blipFill>
-            <a:blip r:embed="rId3"/>
+            <a:blip r:embed="rId4"/>
             <a:stretch>
               <a:fillRect l="-28466" t="-12761" r="-34159" b="-6103"/>
             </a:stretch>
@@ -8567,7 +8615,7 @@
       </p:sp>
       <p:sp>
         <p:nvSpPr>
-          <p:cNvPr name="Freeform 9" id="9"/>
+          <p:cNvPr name="Freeform 10" id="10"/>
           <p:cNvSpPr/>
           <p:nvPr/>
         </p:nvSpPr>
@@ -8604,57 +8652,9 @@
             </a:pathLst>
           </a:custGeom>
           <a:blipFill>
-            <a:blip r:embed="rId3"/>
+            <a:blip r:embed="rId4"/>
             <a:stretch>
               <a:fillRect l="-28466" t="-12761" r="-34159" b="-6103"/>
-            </a:stretch>
-          </a:blipFill>
-        </p:spPr>
-      </p:sp>
-      <p:sp>
-        <p:nvSpPr>
-          <p:cNvPr name="Freeform 10" id="10"/>
-          <p:cNvSpPr/>
-          <p:nvPr/>
-        </p:nvSpPr>
-        <p:spPr>
-          <a:xfrm flipH="false" flipV="false" rot="0">
-            <a:off x="-263717" y="1950062"/>
-            <a:ext cx="10802292" cy="5365138"/>
-          </a:xfrm>
-          <a:custGeom>
-            <a:avLst/>
-            <a:gdLst/>
-            <a:ahLst/>
-            <a:cxnLst/>
-            <a:rect r="r" b="b" t="t" l="l"/>
-            <a:pathLst>
-              <a:path h="5365138" w="10802292">
-                <a:moveTo>
-                  <a:pt x="0" y="0"/>
-                </a:moveTo>
-                <a:lnTo>
-                  <a:pt x="10802291" y="0"/>
-                </a:lnTo>
-                <a:lnTo>
-                  <a:pt x="10802291" y="5365138"/>
-                </a:lnTo>
-                <a:lnTo>
-                  <a:pt x="0" y="5365138"/>
-                </a:lnTo>
-                <a:lnTo>
-                  <a:pt x="0" y="0"/>
-                </a:lnTo>
-                <a:close/>
-              </a:path>
-            </a:pathLst>
-          </a:custGeom>
-          <a:blipFill>
-            <a:blip r:embed="rId4">
-              <a:alphaModFix amt="19999"/>
-            </a:blip>
-            <a:stretch>
-              <a:fillRect l="0" t="0" r="0" b="0"/>
             </a:stretch>
           </a:blipFill>
         </p:spPr>
@@ -8691,9 +8691,57 @@
           <a:chExt cx="0" cy="0"/>
         </a:xfrm>
       </p:grpSpPr>
+      <p:sp>
+        <p:nvSpPr>
+          <p:cNvPr name="Freeform 2" id="2"/>
+          <p:cNvSpPr/>
+          <p:nvPr/>
+        </p:nvSpPr>
+        <p:spPr>
+          <a:xfrm flipH="false" flipV="false" rot="0">
+            <a:off x="2114761" y="85952"/>
+            <a:ext cx="7922880" cy="8129830"/>
+          </a:xfrm>
+          <a:custGeom>
+            <a:avLst/>
+            <a:gdLst/>
+            <a:ahLst/>
+            <a:cxnLst/>
+            <a:rect r="r" b="b" t="t" l="l"/>
+            <a:pathLst>
+              <a:path h="8129830" w="7922880">
+                <a:moveTo>
+                  <a:pt x="0" y="0"/>
+                </a:moveTo>
+                <a:lnTo>
+                  <a:pt x="7922880" y="0"/>
+                </a:lnTo>
+                <a:lnTo>
+                  <a:pt x="7922880" y="8129830"/>
+                </a:lnTo>
+                <a:lnTo>
+                  <a:pt x="0" y="8129830"/>
+                </a:lnTo>
+                <a:lnTo>
+                  <a:pt x="0" y="0"/>
+                </a:lnTo>
+                <a:close/>
+              </a:path>
+            </a:pathLst>
+          </a:custGeom>
+          <a:blipFill>
+            <a:blip r:embed="rId3">
+              <a:alphaModFix amt="12000"/>
+            </a:blip>
+            <a:stretch>
+              <a:fillRect l="-28466" t="-12761" r="-34159" b="-6103"/>
+            </a:stretch>
+          </a:blipFill>
+        </p:spPr>
+      </p:sp>
       <p:grpSp>
         <p:nvGrpSpPr>
-          <p:cNvPr name="Group 2" id="2"/>
+          <p:cNvPr name="Group 3" id="3"/>
           <p:cNvGrpSpPr/>
           <p:nvPr/>
         </p:nvGrpSpPr>
@@ -8707,7 +8755,7 @@
         </p:grpSpPr>
         <p:sp>
           <p:nvSpPr>
-            <p:cNvPr name="Freeform 3" id="3"/>
+            <p:cNvPr name="Freeform 4" id="4"/>
             <p:cNvSpPr/>
             <p:nvPr/>
           </p:nvSpPr>
@@ -8749,7 +8797,7 @@
         </p:sp>
         <p:sp>
           <p:nvSpPr>
-            <p:cNvPr name="TextBox 4" id="4"/>
+            <p:cNvPr name="TextBox 5" id="5"/>
             <p:cNvSpPr txBox="true"/>
             <p:nvPr/>
           </p:nvSpPr>
@@ -8789,7 +8837,7 @@
       </p:grpSp>
       <p:sp>
         <p:nvSpPr>
-          <p:cNvPr name="Freeform 5" id="5"/>
+          <p:cNvPr name="Freeform 6" id="6"/>
           <p:cNvSpPr/>
           <p:nvPr/>
         </p:nvSpPr>
@@ -8835,7 +8883,7 @@
       </p:sp>
       <p:sp>
         <p:nvSpPr>
-          <p:cNvPr name="Freeform 6" id="6"/>
+          <p:cNvPr name="Freeform 7" id="7"/>
           <p:cNvSpPr/>
           <p:nvPr/>
         </p:nvSpPr>
@@ -8881,7 +8929,7 @@
       </p:sp>
       <p:sp>
         <p:nvSpPr>
-          <p:cNvPr name="Freeform 7" id="7"/>
+          <p:cNvPr name="Freeform 8" id="8"/>
           <p:cNvSpPr/>
           <p:nvPr/>
         </p:nvSpPr>
@@ -8927,7 +8975,7 @@
       </p:sp>
       <p:sp>
         <p:nvSpPr>
-          <p:cNvPr name="Freeform 8" id="8"/>
+          <p:cNvPr name="Freeform 9" id="9"/>
           <p:cNvSpPr/>
           <p:nvPr/>
         </p:nvSpPr>
@@ -8973,7 +9021,7 @@
       </p:sp>
       <p:sp>
         <p:nvSpPr>
-          <p:cNvPr name="Freeform 9" id="9"/>
+          <p:cNvPr name="Freeform 10" id="10"/>
           <p:cNvSpPr/>
           <p:nvPr/>
         </p:nvSpPr>
@@ -9019,7 +9067,7 @@
       </p:sp>
       <p:sp>
         <p:nvSpPr>
-          <p:cNvPr name="TextBox 10" id="10"/>
+          <p:cNvPr name="TextBox 11" id="11"/>
           <p:cNvSpPr txBox="true"/>
           <p:nvPr/>
         </p:nvSpPr>
@@ -9168,54 +9216,6 @@
             </a:r>
           </a:p>
         </p:txBody>
-      </p:sp>
-      <p:sp>
-        <p:nvSpPr>
-          <p:cNvPr name="Freeform 11" id="11"/>
-          <p:cNvSpPr/>
-          <p:nvPr/>
-        </p:nvSpPr>
-        <p:spPr>
-          <a:xfrm flipH="false" flipV="false" rot="0">
-            <a:off x="2114761" y="85952"/>
-            <a:ext cx="7922880" cy="8129830"/>
-          </a:xfrm>
-          <a:custGeom>
-            <a:avLst/>
-            <a:gdLst/>
-            <a:ahLst/>
-            <a:cxnLst/>
-            <a:rect r="r" b="b" t="t" l="l"/>
-            <a:pathLst>
-              <a:path h="8129830" w="7922880">
-                <a:moveTo>
-                  <a:pt x="0" y="0"/>
-                </a:moveTo>
-                <a:lnTo>
-                  <a:pt x="7922880" y="0"/>
-                </a:lnTo>
-                <a:lnTo>
-                  <a:pt x="7922880" y="8129830"/>
-                </a:lnTo>
-                <a:lnTo>
-                  <a:pt x="0" y="8129830"/>
-                </a:lnTo>
-                <a:lnTo>
-                  <a:pt x="0" y="0"/>
-                </a:lnTo>
-                <a:close/>
-              </a:path>
-            </a:pathLst>
-          </a:custGeom>
-          <a:blipFill>
-            <a:blip r:embed="rId3">
-              <a:alphaModFix amt="12000"/>
-            </a:blip>
-            <a:stretch>
-              <a:fillRect l="-28466" t="-12761" r="-34159" b="-6103"/>
-            </a:stretch>
-          </a:blipFill>
-        </p:spPr>
       </p:sp>
     </p:spTree>
   </p:cSld>
@@ -9249,9 +9249,57 @@
           <a:chExt cx="0" cy="0"/>
         </a:xfrm>
       </p:grpSpPr>
+      <p:sp>
+        <p:nvSpPr>
+          <p:cNvPr name="Freeform 2" id="2"/>
+          <p:cNvSpPr/>
+          <p:nvPr/>
+        </p:nvSpPr>
+        <p:spPr>
+          <a:xfrm flipH="false" flipV="false" rot="0">
+            <a:off x="2114761" y="85952"/>
+            <a:ext cx="7922880" cy="8129830"/>
+          </a:xfrm>
+          <a:custGeom>
+            <a:avLst/>
+            <a:gdLst/>
+            <a:ahLst/>
+            <a:cxnLst/>
+            <a:rect r="r" b="b" t="t" l="l"/>
+            <a:pathLst>
+              <a:path h="8129830" w="7922880">
+                <a:moveTo>
+                  <a:pt x="0" y="0"/>
+                </a:moveTo>
+                <a:lnTo>
+                  <a:pt x="7922880" y="0"/>
+                </a:lnTo>
+                <a:lnTo>
+                  <a:pt x="7922880" y="8129830"/>
+                </a:lnTo>
+                <a:lnTo>
+                  <a:pt x="0" y="8129830"/>
+                </a:lnTo>
+                <a:lnTo>
+                  <a:pt x="0" y="0"/>
+                </a:lnTo>
+                <a:close/>
+              </a:path>
+            </a:pathLst>
+          </a:custGeom>
+          <a:blipFill>
+            <a:blip r:embed="rId3">
+              <a:alphaModFix amt="12000"/>
+            </a:blip>
+            <a:stretch>
+              <a:fillRect l="-28466" t="-12761" r="-34159" b="-6103"/>
+            </a:stretch>
+          </a:blipFill>
+        </p:spPr>
+      </p:sp>
       <p:grpSp>
         <p:nvGrpSpPr>
-          <p:cNvPr name="Group 2" id="2"/>
+          <p:cNvPr name="Group 3" id="3"/>
           <p:cNvGrpSpPr/>
           <p:nvPr/>
         </p:nvGrpSpPr>
@@ -9265,7 +9313,7 @@
         </p:grpSpPr>
         <p:sp>
           <p:nvSpPr>
-            <p:cNvPr name="Freeform 3" id="3"/>
+            <p:cNvPr name="Freeform 4" id="4"/>
             <p:cNvSpPr/>
             <p:nvPr/>
           </p:nvSpPr>
@@ -9307,7 +9355,7 @@
         </p:sp>
         <p:sp>
           <p:nvSpPr>
-            <p:cNvPr name="TextBox 4" id="4"/>
+            <p:cNvPr name="TextBox 5" id="5"/>
             <p:cNvSpPr txBox="true"/>
             <p:nvPr/>
           </p:nvSpPr>
@@ -9347,7 +9395,7 @@
       </p:grpSp>
       <p:sp>
         <p:nvSpPr>
-          <p:cNvPr name="TextBox 5" id="5"/>
+          <p:cNvPr name="TextBox 6" id="6"/>
           <p:cNvSpPr txBox="true"/>
           <p:nvPr/>
         </p:nvSpPr>
@@ -9473,7 +9521,7 @@
       </p:sp>
       <p:sp>
         <p:nvSpPr>
-          <p:cNvPr name="Freeform 6" id="6"/>
+          <p:cNvPr name="Freeform 7" id="7"/>
           <p:cNvSpPr/>
           <p:nvPr/>
         </p:nvSpPr>
@@ -9519,7 +9567,7 @@
       </p:sp>
       <p:sp>
         <p:nvSpPr>
-          <p:cNvPr name="Freeform 7" id="7"/>
+          <p:cNvPr name="Freeform 8" id="8"/>
           <p:cNvSpPr/>
           <p:nvPr/>
         </p:nvSpPr>
@@ -9565,7 +9613,7 @@
       </p:sp>
       <p:sp>
         <p:nvSpPr>
-          <p:cNvPr name="Freeform 8" id="8"/>
+          <p:cNvPr name="Freeform 9" id="9"/>
           <p:cNvSpPr/>
           <p:nvPr/>
         </p:nvSpPr>
@@ -9611,7 +9659,7 @@
       </p:sp>
       <p:sp>
         <p:nvSpPr>
-          <p:cNvPr name="Freeform 9" id="9"/>
+          <p:cNvPr name="Freeform 10" id="10"/>
           <p:cNvSpPr/>
           <p:nvPr/>
         </p:nvSpPr>
@@ -9649,54 +9697,6 @@
           </a:custGeom>
           <a:blipFill>
             <a:blip r:embed="rId3"/>
-            <a:stretch>
-              <a:fillRect l="-28466" t="-12761" r="-34159" b="-6103"/>
-            </a:stretch>
-          </a:blipFill>
-        </p:spPr>
-      </p:sp>
-      <p:sp>
-        <p:nvSpPr>
-          <p:cNvPr name="Freeform 10" id="10"/>
-          <p:cNvSpPr/>
-          <p:nvPr/>
-        </p:nvSpPr>
-        <p:spPr>
-          <a:xfrm flipH="false" flipV="false" rot="0">
-            <a:off x="2114761" y="85952"/>
-            <a:ext cx="7922880" cy="8129830"/>
-          </a:xfrm>
-          <a:custGeom>
-            <a:avLst/>
-            <a:gdLst/>
-            <a:ahLst/>
-            <a:cxnLst/>
-            <a:rect r="r" b="b" t="t" l="l"/>
-            <a:pathLst>
-              <a:path h="8129830" w="7922880">
-                <a:moveTo>
-                  <a:pt x="0" y="0"/>
-                </a:moveTo>
-                <a:lnTo>
-                  <a:pt x="7922880" y="0"/>
-                </a:lnTo>
-                <a:lnTo>
-                  <a:pt x="7922880" y="8129830"/>
-                </a:lnTo>
-                <a:lnTo>
-                  <a:pt x="0" y="8129830"/>
-                </a:lnTo>
-                <a:lnTo>
-                  <a:pt x="0" y="0"/>
-                </a:lnTo>
-                <a:close/>
-              </a:path>
-            </a:pathLst>
-          </a:custGeom>
-          <a:blipFill>
-            <a:blip r:embed="rId3">
-              <a:alphaModFix amt="12000"/>
-            </a:blip>
             <a:stretch>
               <a:fillRect l="-28466" t="-12761" r="-34159" b="-6103"/>
             </a:stretch>
@@ -9735,9 +9735,57 @@
           <a:chExt cx="0" cy="0"/>
         </a:xfrm>
       </p:grpSpPr>
+      <p:sp>
+        <p:nvSpPr>
+          <p:cNvPr name="Freeform 2" id="2"/>
+          <p:cNvSpPr/>
+          <p:nvPr/>
+        </p:nvSpPr>
+        <p:spPr>
+          <a:xfrm flipH="false" flipV="false" rot="0">
+            <a:off x="2114761" y="85952"/>
+            <a:ext cx="7922880" cy="8129830"/>
+          </a:xfrm>
+          <a:custGeom>
+            <a:avLst/>
+            <a:gdLst/>
+            <a:ahLst/>
+            <a:cxnLst/>
+            <a:rect r="r" b="b" t="t" l="l"/>
+            <a:pathLst>
+              <a:path h="8129830" w="7922880">
+                <a:moveTo>
+                  <a:pt x="0" y="0"/>
+                </a:moveTo>
+                <a:lnTo>
+                  <a:pt x="7922880" y="0"/>
+                </a:lnTo>
+                <a:lnTo>
+                  <a:pt x="7922880" y="8129830"/>
+                </a:lnTo>
+                <a:lnTo>
+                  <a:pt x="0" y="8129830"/>
+                </a:lnTo>
+                <a:lnTo>
+                  <a:pt x="0" y="0"/>
+                </a:lnTo>
+                <a:close/>
+              </a:path>
+            </a:pathLst>
+          </a:custGeom>
+          <a:blipFill>
+            <a:blip r:embed="rId3">
+              <a:alphaModFix amt="12000"/>
+            </a:blip>
+            <a:stretch>
+              <a:fillRect l="-28466" t="-12761" r="-34159" b="-6103"/>
+            </a:stretch>
+          </a:blipFill>
+        </p:spPr>
+      </p:sp>
       <p:grpSp>
         <p:nvGrpSpPr>
-          <p:cNvPr name="Group 2" id="2"/>
+          <p:cNvPr name="Group 3" id="3"/>
           <p:cNvGrpSpPr/>
           <p:nvPr/>
         </p:nvGrpSpPr>
@@ -9751,7 +9799,7 @@
         </p:grpSpPr>
         <p:sp>
           <p:nvSpPr>
-            <p:cNvPr name="Freeform 3" id="3"/>
+            <p:cNvPr name="Freeform 4" id="4"/>
             <p:cNvSpPr/>
             <p:nvPr/>
           </p:nvSpPr>
@@ -9793,7 +9841,7 @@
         </p:sp>
         <p:sp>
           <p:nvSpPr>
-            <p:cNvPr name="TextBox 4" id="4"/>
+            <p:cNvPr name="TextBox 5" id="5"/>
             <p:cNvSpPr txBox="true"/>
             <p:nvPr/>
           </p:nvSpPr>
@@ -9852,7 +9900,7 @@
       </p:grpSp>
       <p:sp>
         <p:nvSpPr>
-          <p:cNvPr name="TextBox 5" id="5"/>
+          <p:cNvPr name="TextBox 6" id="6"/>
           <p:cNvSpPr txBox="true"/>
           <p:nvPr/>
         </p:nvSpPr>
@@ -10042,7 +10090,7 @@
       </p:sp>
       <p:sp>
         <p:nvSpPr>
-          <p:cNvPr name="Freeform 6" id="6"/>
+          <p:cNvPr name="Freeform 7" id="7"/>
           <p:cNvSpPr/>
           <p:nvPr/>
         </p:nvSpPr>
@@ -10088,7 +10136,7 @@
       </p:sp>
       <p:sp>
         <p:nvSpPr>
-          <p:cNvPr name="Freeform 7" id="7"/>
+          <p:cNvPr name="Freeform 8" id="8"/>
           <p:cNvSpPr/>
           <p:nvPr/>
         </p:nvSpPr>
@@ -10134,7 +10182,7 @@
       </p:sp>
       <p:sp>
         <p:nvSpPr>
-          <p:cNvPr name="Freeform 8" id="8"/>
+          <p:cNvPr name="Freeform 9" id="9"/>
           <p:cNvSpPr/>
           <p:nvPr/>
         </p:nvSpPr>
@@ -10180,13 +10228,13 @@
       </p:sp>
       <p:sp>
         <p:nvSpPr>
-          <p:cNvPr name="Freeform 9" id="9"/>
+          <p:cNvPr name="Freeform 10" id="10"/>
           <p:cNvSpPr/>
           <p:nvPr/>
         </p:nvSpPr>
         <p:spPr>
           <a:xfrm flipH="false" flipV="false" rot="0">
-            <a:off x="797069" y="5301076"/>
+            <a:off x="731520" y="5381338"/>
             <a:ext cx="366800" cy="376381"/>
           </a:xfrm>
           <a:custGeom>
@@ -10201,13 +10249,13 @@
                   <a:pt x="0" y="0"/>
                 </a:moveTo>
                 <a:lnTo>
-                  <a:pt x="366801" y="0"/>
-                </a:lnTo>
-                <a:lnTo>
-                  <a:pt x="366801" y="376382"/>
-                </a:lnTo>
-                <a:lnTo>
-                  <a:pt x="0" y="376382"/>
+                  <a:pt x="366800" y="0"/>
+                </a:lnTo>
+                <a:lnTo>
+                  <a:pt x="366800" y="376381"/>
+                </a:lnTo>
+                <a:lnTo>
+                  <a:pt x="0" y="376381"/>
                 </a:lnTo>
                 <a:lnTo>
                   <a:pt x="0" y="0"/>
@@ -10226,7 +10274,7 @@
       </p:sp>
       <p:sp>
         <p:nvSpPr>
-          <p:cNvPr name="Freeform 10" id="10"/>
+          <p:cNvPr name="Freeform 11" id="11"/>
           <p:cNvSpPr/>
           <p:nvPr/>
         </p:nvSpPr>
@@ -10264,54 +10312,6 @@
           </a:custGeom>
           <a:blipFill>
             <a:blip r:embed="rId3"/>
-            <a:stretch>
-              <a:fillRect l="-28466" t="-12761" r="-34159" b="-6103"/>
-            </a:stretch>
-          </a:blipFill>
-        </p:spPr>
-      </p:sp>
-      <p:sp>
-        <p:nvSpPr>
-          <p:cNvPr name="Freeform 11" id="11"/>
-          <p:cNvSpPr/>
-          <p:nvPr/>
-        </p:nvSpPr>
-        <p:spPr>
-          <a:xfrm flipH="false" flipV="false" rot="0">
-            <a:off x="2114761" y="85952"/>
-            <a:ext cx="7922880" cy="8129830"/>
-          </a:xfrm>
-          <a:custGeom>
-            <a:avLst/>
-            <a:gdLst/>
-            <a:ahLst/>
-            <a:cxnLst/>
-            <a:rect r="r" b="b" t="t" l="l"/>
-            <a:pathLst>
-              <a:path h="8129830" w="7922880">
-                <a:moveTo>
-                  <a:pt x="0" y="0"/>
-                </a:moveTo>
-                <a:lnTo>
-                  <a:pt x="7922880" y="0"/>
-                </a:lnTo>
-                <a:lnTo>
-                  <a:pt x="7922880" y="8129830"/>
-                </a:lnTo>
-                <a:lnTo>
-                  <a:pt x="0" y="8129830"/>
-                </a:lnTo>
-                <a:lnTo>
-                  <a:pt x="0" y="0"/>
-                </a:lnTo>
-                <a:close/>
-              </a:path>
-            </a:pathLst>
-          </a:custGeom>
-          <a:blipFill>
-            <a:blip r:embed="rId3">
-              <a:alphaModFix amt="12000"/>
-            </a:blip>
             <a:stretch>
               <a:fillRect l="-28466" t="-12761" r="-34159" b="-6103"/>
             </a:stretch>
@@ -10350,9 +10350,57 @@
           <a:chExt cx="0" cy="0"/>
         </a:xfrm>
       </p:grpSpPr>
+      <p:sp>
+        <p:nvSpPr>
+          <p:cNvPr name="Freeform 2" id="2"/>
+          <p:cNvSpPr/>
+          <p:nvPr/>
+        </p:nvSpPr>
+        <p:spPr>
+          <a:xfrm flipH="false" flipV="false" rot="0">
+            <a:off x="2114761" y="85952"/>
+            <a:ext cx="7922880" cy="8129830"/>
+          </a:xfrm>
+          <a:custGeom>
+            <a:avLst/>
+            <a:gdLst/>
+            <a:ahLst/>
+            <a:cxnLst/>
+            <a:rect r="r" b="b" t="t" l="l"/>
+            <a:pathLst>
+              <a:path h="8129830" w="7922880">
+                <a:moveTo>
+                  <a:pt x="0" y="0"/>
+                </a:moveTo>
+                <a:lnTo>
+                  <a:pt x="7922880" y="0"/>
+                </a:lnTo>
+                <a:lnTo>
+                  <a:pt x="7922880" y="8129830"/>
+                </a:lnTo>
+                <a:lnTo>
+                  <a:pt x="0" y="8129830"/>
+                </a:lnTo>
+                <a:lnTo>
+                  <a:pt x="0" y="0"/>
+                </a:lnTo>
+                <a:close/>
+              </a:path>
+            </a:pathLst>
+          </a:custGeom>
+          <a:blipFill>
+            <a:blip r:embed="rId3">
+              <a:alphaModFix amt="12000"/>
+            </a:blip>
+            <a:stretch>
+              <a:fillRect l="-28466" t="-12761" r="-34159" b="-6103"/>
+            </a:stretch>
+          </a:blipFill>
+        </p:spPr>
+      </p:sp>
       <p:grpSp>
         <p:nvGrpSpPr>
-          <p:cNvPr name="Group 2" id="2"/>
+          <p:cNvPr name="Group 3" id="3"/>
           <p:cNvGrpSpPr/>
           <p:nvPr/>
         </p:nvGrpSpPr>
@@ -10366,7 +10414,7 @@
         </p:grpSpPr>
         <p:sp>
           <p:nvSpPr>
-            <p:cNvPr name="Freeform 3" id="3"/>
+            <p:cNvPr name="Freeform 4" id="4"/>
             <p:cNvSpPr/>
             <p:nvPr/>
           </p:nvSpPr>
@@ -10408,7 +10456,7 @@
         </p:sp>
         <p:sp>
           <p:nvSpPr>
-            <p:cNvPr name="TextBox 4" id="4"/>
+            <p:cNvPr name="TextBox 5" id="5"/>
             <p:cNvSpPr txBox="true"/>
             <p:nvPr/>
           </p:nvSpPr>
@@ -10448,7 +10496,7 @@
       </p:grpSp>
       <p:sp>
         <p:nvSpPr>
-          <p:cNvPr name="TextBox 5" id="5"/>
+          <p:cNvPr name="TextBox 6" id="6"/>
           <p:cNvSpPr txBox="true"/>
           <p:nvPr/>
         </p:nvSpPr>
@@ -10574,7 +10622,7 @@
       </p:sp>
       <p:sp>
         <p:nvSpPr>
-          <p:cNvPr name="Freeform 6" id="6"/>
+          <p:cNvPr name="Freeform 7" id="7"/>
           <p:cNvSpPr/>
           <p:nvPr/>
         </p:nvSpPr>
@@ -10620,7 +10668,7 @@
       </p:sp>
       <p:sp>
         <p:nvSpPr>
-          <p:cNvPr name="Freeform 7" id="7"/>
+          <p:cNvPr name="Freeform 8" id="8"/>
           <p:cNvSpPr/>
           <p:nvPr/>
         </p:nvSpPr>
@@ -10666,13 +10714,13 @@
       </p:sp>
       <p:sp>
         <p:nvSpPr>
-          <p:cNvPr name="Freeform 8" id="8"/>
+          <p:cNvPr name="Freeform 9" id="9"/>
           <p:cNvSpPr/>
           <p:nvPr/>
         </p:nvSpPr>
         <p:spPr>
           <a:xfrm flipH="false" flipV="false" rot="0">
-            <a:off x="913537" y="4634344"/>
+            <a:off x="913537" y="4611412"/>
             <a:ext cx="366800" cy="376381"/>
           </a:xfrm>
           <a:custGeom>
@@ -10712,7 +10760,7 @@
       </p:sp>
       <p:sp>
         <p:nvSpPr>
-          <p:cNvPr name="Freeform 9" id="9"/>
+          <p:cNvPr name="Freeform 10" id="10"/>
           <p:cNvSpPr/>
           <p:nvPr/>
         </p:nvSpPr>
@@ -10750,54 +10798,6 @@
           </a:custGeom>
           <a:blipFill>
             <a:blip r:embed="rId3"/>
-            <a:stretch>
-              <a:fillRect l="-28466" t="-12761" r="-34159" b="-6103"/>
-            </a:stretch>
-          </a:blipFill>
-        </p:spPr>
-      </p:sp>
-      <p:sp>
-        <p:nvSpPr>
-          <p:cNvPr name="Freeform 10" id="10"/>
-          <p:cNvSpPr/>
-          <p:nvPr/>
-        </p:nvSpPr>
-        <p:spPr>
-          <a:xfrm flipH="false" flipV="false" rot="0">
-            <a:off x="2114761" y="85952"/>
-            <a:ext cx="7922880" cy="8129830"/>
-          </a:xfrm>
-          <a:custGeom>
-            <a:avLst/>
-            <a:gdLst/>
-            <a:ahLst/>
-            <a:cxnLst/>
-            <a:rect r="r" b="b" t="t" l="l"/>
-            <a:pathLst>
-              <a:path h="8129830" w="7922880">
-                <a:moveTo>
-                  <a:pt x="0" y="0"/>
-                </a:moveTo>
-                <a:lnTo>
-                  <a:pt x="7922880" y="0"/>
-                </a:lnTo>
-                <a:lnTo>
-                  <a:pt x="7922880" y="8129830"/>
-                </a:lnTo>
-                <a:lnTo>
-                  <a:pt x="0" y="8129830"/>
-                </a:lnTo>
-                <a:lnTo>
-                  <a:pt x="0" y="0"/>
-                </a:lnTo>
-                <a:close/>
-              </a:path>
-            </a:pathLst>
-          </a:custGeom>
-          <a:blipFill>
-            <a:blip r:embed="rId3">
-              <a:alphaModFix amt="12000"/>
-            </a:blip>
             <a:stretch>
               <a:fillRect l="-28466" t="-12761" r="-34159" b="-6103"/>
             </a:stretch>
@@ -11721,9 +11721,57 @@
           <a:chExt cx="0" cy="0"/>
         </a:xfrm>
       </p:grpSpPr>
+      <p:sp>
+        <p:nvSpPr>
+          <p:cNvPr name="Freeform 2" id="2"/>
+          <p:cNvSpPr/>
+          <p:nvPr/>
+        </p:nvSpPr>
+        <p:spPr>
+          <a:xfrm flipH="false" flipV="false" rot="0">
+            <a:off x="2114761" y="85952"/>
+            <a:ext cx="7922880" cy="8129830"/>
+          </a:xfrm>
+          <a:custGeom>
+            <a:avLst/>
+            <a:gdLst/>
+            <a:ahLst/>
+            <a:cxnLst/>
+            <a:rect r="r" b="b" t="t" l="l"/>
+            <a:pathLst>
+              <a:path h="8129830" w="7922880">
+                <a:moveTo>
+                  <a:pt x="0" y="0"/>
+                </a:moveTo>
+                <a:lnTo>
+                  <a:pt x="7922880" y="0"/>
+                </a:lnTo>
+                <a:lnTo>
+                  <a:pt x="7922880" y="8129830"/>
+                </a:lnTo>
+                <a:lnTo>
+                  <a:pt x="0" y="8129830"/>
+                </a:lnTo>
+                <a:lnTo>
+                  <a:pt x="0" y="0"/>
+                </a:lnTo>
+                <a:close/>
+              </a:path>
+            </a:pathLst>
+          </a:custGeom>
+          <a:blipFill>
+            <a:blip r:embed="rId3">
+              <a:alphaModFix amt="12000"/>
+            </a:blip>
+            <a:stretch>
+              <a:fillRect l="-28466" t="-12761" r="-34159" b="-6103"/>
+            </a:stretch>
+          </a:blipFill>
+        </p:spPr>
+      </p:sp>
       <p:grpSp>
         <p:nvGrpSpPr>
-          <p:cNvPr name="Group 2" id="2"/>
+          <p:cNvPr name="Group 3" id="3"/>
           <p:cNvGrpSpPr/>
           <p:nvPr/>
         </p:nvGrpSpPr>
@@ -11737,7 +11785,7 @@
         </p:grpSpPr>
         <p:sp>
           <p:nvSpPr>
-            <p:cNvPr name="Freeform 3" id="3"/>
+            <p:cNvPr name="Freeform 4" id="4"/>
             <p:cNvSpPr/>
             <p:nvPr/>
           </p:nvSpPr>
@@ -11779,7 +11827,7 @@
         </p:sp>
         <p:sp>
           <p:nvSpPr>
-            <p:cNvPr name="TextBox 4" id="4"/>
+            <p:cNvPr name="TextBox 5" id="5"/>
             <p:cNvSpPr txBox="true"/>
             <p:nvPr/>
           </p:nvSpPr>
@@ -11831,7 +11879,7 @@
       </p:grpSp>
       <p:sp>
         <p:nvSpPr>
-          <p:cNvPr name="Freeform 5" id="5"/>
+          <p:cNvPr name="Freeform 6" id="6"/>
           <p:cNvSpPr/>
           <p:nvPr/>
         </p:nvSpPr>
@@ -11877,7 +11925,7 @@
       </p:sp>
       <p:sp>
         <p:nvSpPr>
-          <p:cNvPr name="Freeform 6" id="6"/>
+          <p:cNvPr name="Freeform 7" id="7"/>
           <p:cNvSpPr/>
           <p:nvPr/>
         </p:nvSpPr>
@@ -11923,7 +11971,7 @@
       </p:sp>
       <p:sp>
         <p:nvSpPr>
-          <p:cNvPr name="Freeform 7" id="7"/>
+          <p:cNvPr name="Freeform 8" id="8"/>
           <p:cNvSpPr/>
           <p:nvPr/>
         </p:nvSpPr>
@@ -11969,7 +12017,7 @@
       </p:sp>
       <p:sp>
         <p:nvSpPr>
-          <p:cNvPr name="TextBox 8" id="8"/>
+          <p:cNvPr name="TextBox 9" id="9"/>
           <p:cNvSpPr txBox="true"/>
           <p:nvPr/>
         </p:nvSpPr>
@@ -12066,54 +12114,6 @@
             </a:r>
           </a:p>
         </p:txBody>
-      </p:sp>
-      <p:sp>
-        <p:nvSpPr>
-          <p:cNvPr name="Freeform 9" id="9"/>
-          <p:cNvSpPr/>
-          <p:nvPr/>
-        </p:nvSpPr>
-        <p:spPr>
-          <a:xfrm flipH="false" flipV="false" rot="0">
-            <a:off x="2114761" y="85952"/>
-            <a:ext cx="7922880" cy="8129830"/>
-          </a:xfrm>
-          <a:custGeom>
-            <a:avLst/>
-            <a:gdLst/>
-            <a:ahLst/>
-            <a:cxnLst/>
-            <a:rect r="r" b="b" t="t" l="l"/>
-            <a:pathLst>
-              <a:path h="8129830" w="7922880">
-                <a:moveTo>
-                  <a:pt x="0" y="0"/>
-                </a:moveTo>
-                <a:lnTo>
-                  <a:pt x="7922880" y="0"/>
-                </a:lnTo>
-                <a:lnTo>
-                  <a:pt x="7922880" y="8129830"/>
-                </a:lnTo>
-                <a:lnTo>
-                  <a:pt x="0" y="8129830"/>
-                </a:lnTo>
-                <a:lnTo>
-                  <a:pt x="0" y="0"/>
-                </a:lnTo>
-                <a:close/>
-              </a:path>
-            </a:pathLst>
-          </a:custGeom>
-          <a:blipFill>
-            <a:blip r:embed="rId3">
-              <a:alphaModFix amt="12000"/>
-            </a:blip>
-            <a:stretch>
-              <a:fillRect l="-28466" t="-12761" r="-34159" b="-6103"/>
-            </a:stretch>
-          </a:blipFill>
-        </p:spPr>
       </p:sp>
     </p:spTree>
   </p:cSld>
@@ -12147,9 +12147,57 @@
           <a:chExt cx="0" cy="0"/>
         </a:xfrm>
       </p:grpSpPr>
+      <p:sp>
+        <p:nvSpPr>
+          <p:cNvPr name="Freeform 2" id="2"/>
+          <p:cNvSpPr/>
+          <p:nvPr/>
+        </p:nvSpPr>
+        <p:spPr>
+          <a:xfrm flipH="false" flipV="false" rot="0">
+            <a:off x="2114761" y="85952"/>
+            <a:ext cx="7922880" cy="8129830"/>
+          </a:xfrm>
+          <a:custGeom>
+            <a:avLst/>
+            <a:gdLst/>
+            <a:ahLst/>
+            <a:cxnLst/>
+            <a:rect r="r" b="b" t="t" l="l"/>
+            <a:pathLst>
+              <a:path h="8129830" w="7922880">
+                <a:moveTo>
+                  <a:pt x="0" y="0"/>
+                </a:moveTo>
+                <a:lnTo>
+                  <a:pt x="7922880" y="0"/>
+                </a:lnTo>
+                <a:lnTo>
+                  <a:pt x="7922880" y="8129830"/>
+                </a:lnTo>
+                <a:lnTo>
+                  <a:pt x="0" y="8129830"/>
+                </a:lnTo>
+                <a:lnTo>
+                  <a:pt x="0" y="0"/>
+                </a:lnTo>
+                <a:close/>
+              </a:path>
+            </a:pathLst>
+          </a:custGeom>
+          <a:blipFill>
+            <a:blip r:embed="rId3">
+              <a:alphaModFix amt="12000"/>
+            </a:blip>
+            <a:stretch>
+              <a:fillRect l="-28466" t="-12761" r="-34159" b="-6103"/>
+            </a:stretch>
+          </a:blipFill>
+        </p:spPr>
+      </p:sp>
       <p:grpSp>
         <p:nvGrpSpPr>
-          <p:cNvPr name="Group 2" id="2"/>
+          <p:cNvPr name="Group 3" id="3"/>
           <p:cNvGrpSpPr/>
           <p:nvPr/>
         </p:nvGrpSpPr>
@@ -12163,7 +12211,7 @@
         </p:grpSpPr>
         <p:sp>
           <p:nvSpPr>
-            <p:cNvPr name="Freeform 3" id="3"/>
+            <p:cNvPr name="Freeform 4" id="4"/>
             <p:cNvSpPr/>
             <p:nvPr/>
           </p:nvSpPr>
@@ -12205,7 +12253,7 @@
         </p:sp>
         <p:sp>
           <p:nvSpPr>
-            <p:cNvPr name="TextBox 4" id="4"/>
+            <p:cNvPr name="TextBox 5" id="5"/>
             <p:cNvSpPr txBox="true"/>
             <p:nvPr/>
           </p:nvSpPr>
@@ -12264,7 +12312,7 @@
       </p:grpSp>
       <p:sp>
         <p:nvSpPr>
-          <p:cNvPr name="TextBox 5" id="5"/>
+          <p:cNvPr name="TextBox 6" id="6"/>
           <p:cNvSpPr txBox="true"/>
           <p:nvPr/>
         </p:nvSpPr>
@@ -12390,7 +12438,7 @@
       </p:sp>
       <p:sp>
         <p:nvSpPr>
-          <p:cNvPr name="Freeform 6" id="6"/>
+          <p:cNvPr name="Freeform 7" id="7"/>
           <p:cNvSpPr/>
           <p:nvPr/>
         </p:nvSpPr>
@@ -12436,7 +12484,7 @@
       </p:sp>
       <p:sp>
         <p:nvSpPr>
-          <p:cNvPr name="Freeform 7" id="7"/>
+          <p:cNvPr name="Freeform 8" id="8"/>
           <p:cNvSpPr/>
           <p:nvPr/>
         </p:nvSpPr>
@@ -12482,7 +12530,7 @@
       </p:sp>
       <p:sp>
         <p:nvSpPr>
-          <p:cNvPr name="Freeform 8" id="8"/>
+          <p:cNvPr name="Freeform 9" id="9"/>
           <p:cNvSpPr/>
           <p:nvPr/>
         </p:nvSpPr>
@@ -12528,7 +12576,7 @@
       </p:sp>
       <p:sp>
         <p:nvSpPr>
-          <p:cNvPr name="Freeform 9" id="9"/>
+          <p:cNvPr name="Freeform 10" id="10"/>
           <p:cNvSpPr/>
           <p:nvPr/>
         </p:nvSpPr>
@@ -12566,54 +12614,6 @@
           </a:custGeom>
           <a:blipFill>
             <a:blip r:embed="rId3"/>
-            <a:stretch>
-              <a:fillRect l="-28466" t="-12761" r="-34159" b="-6103"/>
-            </a:stretch>
-          </a:blipFill>
-        </p:spPr>
-      </p:sp>
-      <p:sp>
-        <p:nvSpPr>
-          <p:cNvPr name="Freeform 10" id="10"/>
-          <p:cNvSpPr/>
-          <p:nvPr/>
-        </p:nvSpPr>
-        <p:spPr>
-          <a:xfrm flipH="false" flipV="false" rot="0">
-            <a:off x="2114761" y="85952"/>
-            <a:ext cx="7922880" cy="8129830"/>
-          </a:xfrm>
-          <a:custGeom>
-            <a:avLst/>
-            <a:gdLst/>
-            <a:ahLst/>
-            <a:cxnLst/>
-            <a:rect r="r" b="b" t="t" l="l"/>
-            <a:pathLst>
-              <a:path h="8129830" w="7922880">
-                <a:moveTo>
-                  <a:pt x="0" y="0"/>
-                </a:moveTo>
-                <a:lnTo>
-                  <a:pt x="7922880" y="0"/>
-                </a:lnTo>
-                <a:lnTo>
-                  <a:pt x="7922880" y="8129830"/>
-                </a:lnTo>
-                <a:lnTo>
-                  <a:pt x="0" y="8129830"/>
-                </a:lnTo>
-                <a:lnTo>
-                  <a:pt x="0" y="0"/>
-                </a:lnTo>
-                <a:close/>
-              </a:path>
-            </a:pathLst>
-          </a:custGeom>
-          <a:blipFill>
-            <a:blip r:embed="rId3">
-              <a:alphaModFix amt="12000"/>
-            </a:blip>
             <a:stretch>
               <a:fillRect l="-28466" t="-12761" r="-34159" b="-6103"/>
             </a:stretch>
@@ -12652,9 +12652,57 @@
           <a:chExt cx="0" cy="0"/>
         </a:xfrm>
       </p:grpSpPr>
+      <p:sp>
+        <p:nvSpPr>
+          <p:cNvPr name="Freeform 2" id="2"/>
+          <p:cNvSpPr/>
+          <p:nvPr/>
+        </p:nvSpPr>
+        <p:spPr>
+          <a:xfrm flipH="false" flipV="false" rot="0">
+            <a:off x="2114761" y="85952"/>
+            <a:ext cx="7922880" cy="8129830"/>
+          </a:xfrm>
+          <a:custGeom>
+            <a:avLst/>
+            <a:gdLst/>
+            <a:ahLst/>
+            <a:cxnLst/>
+            <a:rect r="r" b="b" t="t" l="l"/>
+            <a:pathLst>
+              <a:path h="8129830" w="7922880">
+                <a:moveTo>
+                  <a:pt x="0" y="0"/>
+                </a:moveTo>
+                <a:lnTo>
+                  <a:pt x="7922880" y="0"/>
+                </a:lnTo>
+                <a:lnTo>
+                  <a:pt x="7922880" y="8129830"/>
+                </a:lnTo>
+                <a:lnTo>
+                  <a:pt x="0" y="8129830"/>
+                </a:lnTo>
+                <a:lnTo>
+                  <a:pt x="0" y="0"/>
+                </a:lnTo>
+                <a:close/>
+              </a:path>
+            </a:pathLst>
+          </a:custGeom>
+          <a:blipFill>
+            <a:blip r:embed="rId3">
+              <a:alphaModFix amt="12000"/>
+            </a:blip>
+            <a:stretch>
+              <a:fillRect l="-28466" t="-12761" r="-34159" b="-6103"/>
+            </a:stretch>
+          </a:blipFill>
+        </p:spPr>
+      </p:sp>
       <p:grpSp>
         <p:nvGrpSpPr>
-          <p:cNvPr name="Group 2" id="2"/>
+          <p:cNvPr name="Group 3" id="3"/>
           <p:cNvGrpSpPr/>
           <p:nvPr/>
         </p:nvGrpSpPr>
@@ -12668,7 +12716,7 @@
         </p:grpSpPr>
         <p:sp>
           <p:nvSpPr>
-            <p:cNvPr name="Freeform 3" id="3"/>
+            <p:cNvPr name="Freeform 4" id="4"/>
             <p:cNvSpPr/>
             <p:nvPr/>
           </p:nvSpPr>
@@ -12710,7 +12758,7 @@
         </p:sp>
         <p:sp>
           <p:nvSpPr>
-            <p:cNvPr name="TextBox 4" id="4"/>
+            <p:cNvPr name="TextBox 5" id="5"/>
             <p:cNvSpPr txBox="true"/>
             <p:nvPr/>
           </p:nvSpPr>
@@ -12769,7 +12817,7 @@
       </p:grpSp>
       <p:sp>
         <p:nvSpPr>
-          <p:cNvPr name="Freeform 5" id="5"/>
+          <p:cNvPr name="Freeform 6" id="6"/>
           <p:cNvSpPr/>
           <p:nvPr/>
         </p:nvSpPr>
@@ -12815,7 +12863,7 @@
       </p:sp>
       <p:sp>
         <p:nvSpPr>
-          <p:cNvPr name="Freeform 6" id="6"/>
+          <p:cNvPr name="Freeform 7" id="7"/>
           <p:cNvSpPr/>
           <p:nvPr/>
         </p:nvSpPr>
@@ -12861,7 +12909,7 @@
       </p:sp>
       <p:sp>
         <p:nvSpPr>
-          <p:cNvPr name="Freeform 7" id="7"/>
+          <p:cNvPr name="Freeform 8" id="8"/>
           <p:cNvSpPr/>
           <p:nvPr/>
         </p:nvSpPr>
@@ -12907,7 +12955,7 @@
       </p:sp>
       <p:sp>
         <p:nvSpPr>
-          <p:cNvPr name="Freeform 8" id="8"/>
+          <p:cNvPr name="Freeform 9" id="9"/>
           <p:cNvSpPr/>
           <p:nvPr/>
         </p:nvSpPr>
@@ -12953,7 +13001,7 @@
       </p:sp>
       <p:sp>
         <p:nvSpPr>
-          <p:cNvPr name="TextBox 9" id="9"/>
+          <p:cNvPr name="TextBox 10" id="10"/>
           <p:cNvSpPr txBox="true"/>
           <p:nvPr/>
         </p:nvSpPr>
@@ -13076,54 +13124,6 @@
             </a:r>
           </a:p>
         </p:txBody>
-      </p:sp>
-      <p:sp>
-        <p:nvSpPr>
-          <p:cNvPr name="Freeform 10" id="10"/>
-          <p:cNvSpPr/>
-          <p:nvPr/>
-        </p:nvSpPr>
-        <p:spPr>
-          <a:xfrm flipH="false" flipV="false" rot="0">
-            <a:off x="2114761" y="85952"/>
-            <a:ext cx="7922880" cy="8129830"/>
-          </a:xfrm>
-          <a:custGeom>
-            <a:avLst/>
-            <a:gdLst/>
-            <a:ahLst/>
-            <a:cxnLst/>
-            <a:rect r="r" b="b" t="t" l="l"/>
-            <a:pathLst>
-              <a:path h="8129830" w="7922880">
-                <a:moveTo>
-                  <a:pt x="0" y="0"/>
-                </a:moveTo>
-                <a:lnTo>
-                  <a:pt x="7922880" y="0"/>
-                </a:lnTo>
-                <a:lnTo>
-                  <a:pt x="7922880" y="8129830"/>
-                </a:lnTo>
-                <a:lnTo>
-                  <a:pt x="0" y="8129830"/>
-                </a:lnTo>
-                <a:lnTo>
-                  <a:pt x="0" y="0"/>
-                </a:lnTo>
-                <a:close/>
-              </a:path>
-            </a:pathLst>
-          </a:custGeom>
-          <a:blipFill>
-            <a:blip r:embed="rId3">
-              <a:alphaModFix amt="12000"/>
-            </a:blip>
-            <a:stretch>
-              <a:fillRect l="-28466" t="-12761" r="-34159" b="-6103"/>
-            </a:stretch>
-          </a:blipFill>
-        </p:spPr>
       </p:sp>
     </p:spTree>
   </p:cSld>
@@ -13157,9 +13157,57 @@
           <a:chExt cx="0" cy="0"/>
         </a:xfrm>
       </p:grpSpPr>
+      <p:sp>
+        <p:nvSpPr>
+          <p:cNvPr name="Freeform 2" id="2"/>
+          <p:cNvSpPr/>
+          <p:nvPr/>
+        </p:nvSpPr>
+        <p:spPr>
+          <a:xfrm flipH="false" flipV="false" rot="0">
+            <a:off x="2114761" y="85952"/>
+            <a:ext cx="7922880" cy="8129830"/>
+          </a:xfrm>
+          <a:custGeom>
+            <a:avLst/>
+            <a:gdLst/>
+            <a:ahLst/>
+            <a:cxnLst/>
+            <a:rect r="r" b="b" t="t" l="l"/>
+            <a:pathLst>
+              <a:path h="8129830" w="7922880">
+                <a:moveTo>
+                  <a:pt x="0" y="0"/>
+                </a:moveTo>
+                <a:lnTo>
+                  <a:pt x="7922880" y="0"/>
+                </a:lnTo>
+                <a:lnTo>
+                  <a:pt x="7922880" y="8129830"/>
+                </a:lnTo>
+                <a:lnTo>
+                  <a:pt x="0" y="8129830"/>
+                </a:lnTo>
+                <a:lnTo>
+                  <a:pt x="0" y="0"/>
+                </a:lnTo>
+                <a:close/>
+              </a:path>
+            </a:pathLst>
+          </a:custGeom>
+          <a:blipFill>
+            <a:blip r:embed="rId3">
+              <a:alphaModFix amt="12000"/>
+            </a:blip>
+            <a:stretch>
+              <a:fillRect l="-28466" t="-12761" r="-34159" b="-6103"/>
+            </a:stretch>
+          </a:blipFill>
+        </p:spPr>
+      </p:sp>
       <p:grpSp>
         <p:nvGrpSpPr>
-          <p:cNvPr name="Group 2" id="2"/>
+          <p:cNvPr name="Group 3" id="3"/>
           <p:cNvGrpSpPr/>
           <p:nvPr/>
         </p:nvGrpSpPr>
@@ -13173,7 +13221,7 @@
         </p:grpSpPr>
         <p:sp>
           <p:nvSpPr>
-            <p:cNvPr name="Freeform 3" id="3"/>
+            <p:cNvPr name="Freeform 4" id="4"/>
             <p:cNvSpPr/>
             <p:nvPr/>
           </p:nvSpPr>
@@ -13215,7 +13263,7 @@
         </p:sp>
         <p:sp>
           <p:nvSpPr>
-            <p:cNvPr name="TextBox 4" id="4"/>
+            <p:cNvPr name="TextBox 5" id="5"/>
             <p:cNvSpPr txBox="true"/>
             <p:nvPr/>
           </p:nvSpPr>
@@ -13255,7 +13303,7 @@
       </p:grpSp>
       <p:sp>
         <p:nvSpPr>
-          <p:cNvPr name="TextBox 5" id="5"/>
+          <p:cNvPr name="TextBox 6" id="6"/>
           <p:cNvSpPr txBox="true"/>
           <p:nvPr/>
         </p:nvSpPr>
@@ -13407,7 +13455,7 @@
       </p:sp>
       <p:sp>
         <p:nvSpPr>
-          <p:cNvPr name="Freeform 6" id="6"/>
+          <p:cNvPr name="Freeform 7" id="7"/>
           <p:cNvSpPr/>
           <p:nvPr/>
         </p:nvSpPr>
@@ -13453,7 +13501,7 @@
       </p:sp>
       <p:sp>
         <p:nvSpPr>
-          <p:cNvPr name="Freeform 7" id="7"/>
+          <p:cNvPr name="Freeform 8" id="8"/>
           <p:cNvSpPr/>
           <p:nvPr/>
         </p:nvSpPr>
@@ -13499,7 +13547,7 @@
       </p:sp>
       <p:sp>
         <p:nvSpPr>
-          <p:cNvPr name="Freeform 8" id="8"/>
+          <p:cNvPr name="Freeform 9" id="9"/>
           <p:cNvSpPr/>
           <p:nvPr/>
         </p:nvSpPr>
@@ -13545,7 +13593,7 @@
       </p:sp>
       <p:sp>
         <p:nvSpPr>
-          <p:cNvPr name="Freeform 9" id="9"/>
+          <p:cNvPr name="Freeform 10" id="10"/>
           <p:cNvSpPr/>
           <p:nvPr/>
         </p:nvSpPr>
@@ -13591,7 +13639,7 @@
       </p:sp>
       <p:sp>
         <p:nvSpPr>
-          <p:cNvPr name="Freeform 10" id="10"/>
+          <p:cNvPr name="Freeform 11" id="11"/>
           <p:cNvSpPr/>
           <p:nvPr/>
         </p:nvSpPr>
@@ -13629,54 +13677,6 @@
           </a:custGeom>
           <a:blipFill>
             <a:blip r:embed="rId3"/>
-            <a:stretch>
-              <a:fillRect l="-28466" t="-12761" r="-34159" b="-6103"/>
-            </a:stretch>
-          </a:blipFill>
-        </p:spPr>
-      </p:sp>
-      <p:sp>
-        <p:nvSpPr>
-          <p:cNvPr name="Freeform 11" id="11"/>
-          <p:cNvSpPr/>
-          <p:nvPr/>
-        </p:nvSpPr>
-        <p:spPr>
-          <a:xfrm flipH="false" flipV="false" rot="0">
-            <a:off x="2114761" y="85952"/>
-            <a:ext cx="7922880" cy="8129830"/>
-          </a:xfrm>
-          <a:custGeom>
-            <a:avLst/>
-            <a:gdLst/>
-            <a:ahLst/>
-            <a:cxnLst/>
-            <a:rect r="r" b="b" t="t" l="l"/>
-            <a:pathLst>
-              <a:path h="8129830" w="7922880">
-                <a:moveTo>
-                  <a:pt x="0" y="0"/>
-                </a:moveTo>
-                <a:lnTo>
-                  <a:pt x="7922880" y="0"/>
-                </a:lnTo>
-                <a:lnTo>
-                  <a:pt x="7922880" y="8129830"/>
-                </a:lnTo>
-                <a:lnTo>
-                  <a:pt x="0" y="8129830"/>
-                </a:lnTo>
-                <a:lnTo>
-                  <a:pt x="0" y="0"/>
-                </a:lnTo>
-                <a:close/>
-              </a:path>
-            </a:pathLst>
-          </a:custGeom>
-          <a:blipFill>
-            <a:blip r:embed="rId3">
-              <a:alphaModFix amt="12000"/>
-            </a:blip>
             <a:stretch>
               <a:fillRect l="-28466" t="-12761" r="-34159" b="-6103"/>
             </a:stretch>
@@ -13715,9 +13715,57 @@
           <a:chExt cx="0" cy="0"/>
         </a:xfrm>
       </p:grpSpPr>
+      <p:sp>
+        <p:nvSpPr>
+          <p:cNvPr name="Freeform 2" id="2"/>
+          <p:cNvSpPr/>
+          <p:nvPr/>
+        </p:nvSpPr>
+        <p:spPr>
+          <a:xfrm flipH="false" flipV="false" rot="0">
+            <a:off x="2114761" y="85952"/>
+            <a:ext cx="7922880" cy="8129830"/>
+          </a:xfrm>
+          <a:custGeom>
+            <a:avLst/>
+            <a:gdLst/>
+            <a:ahLst/>
+            <a:cxnLst/>
+            <a:rect r="r" b="b" t="t" l="l"/>
+            <a:pathLst>
+              <a:path h="8129830" w="7922880">
+                <a:moveTo>
+                  <a:pt x="0" y="0"/>
+                </a:moveTo>
+                <a:lnTo>
+                  <a:pt x="7922880" y="0"/>
+                </a:lnTo>
+                <a:lnTo>
+                  <a:pt x="7922880" y="8129830"/>
+                </a:lnTo>
+                <a:lnTo>
+                  <a:pt x="0" y="8129830"/>
+                </a:lnTo>
+                <a:lnTo>
+                  <a:pt x="0" y="0"/>
+                </a:lnTo>
+                <a:close/>
+              </a:path>
+            </a:pathLst>
+          </a:custGeom>
+          <a:blipFill>
+            <a:blip r:embed="rId3">
+              <a:alphaModFix amt="12000"/>
+            </a:blip>
+            <a:stretch>
+              <a:fillRect l="-28466" t="-12761" r="-34159" b="-6103"/>
+            </a:stretch>
+          </a:blipFill>
+        </p:spPr>
+      </p:sp>
       <p:grpSp>
         <p:nvGrpSpPr>
-          <p:cNvPr name="Group 2" id="2"/>
+          <p:cNvPr name="Group 3" id="3"/>
           <p:cNvGrpSpPr/>
           <p:nvPr/>
         </p:nvGrpSpPr>
@@ -13731,7 +13779,7 @@
         </p:grpSpPr>
         <p:sp>
           <p:nvSpPr>
-            <p:cNvPr name="Freeform 3" id="3"/>
+            <p:cNvPr name="Freeform 4" id="4"/>
             <p:cNvSpPr/>
             <p:nvPr/>
           </p:nvSpPr>
@@ -13773,7 +13821,7 @@
         </p:sp>
         <p:sp>
           <p:nvSpPr>
-            <p:cNvPr name="TextBox 4" id="4"/>
+            <p:cNvPr name="TextBox 5" id="5"/>
             <p:cNvSpPr txBox="true"/>
             <p:nvPr/>
           </p:nvSpPr>
@@ -13832,7 +13880,7 @@
       </p:grpSp>
       <p:sp>
         <p:nvSpPr>
-          <p:cNvPr name="TextBox 5" id="5"/>
+          <p:cNvPr name="TextBox 6" id="6"/>
           <p:cNvSpPr txBox="true"/>
           <p:nvPr/>
         </p:nvSpPr>
@@ -13984,7 +14032,7 @@
       </p:sp>
       <p:sp>
         <p:nvSpPr>
-          <p:cNvPr name="Freeform 6" id="6"/>
+          <p:cNvPr name="Freeform 7" id="7"/>
           <p:cNvSpPr/>
           <p:nvPr/>
         </p:nvSpPr>
@@ -14030,7 +14078,7 @@
       </p:sp>
       <p:sp>
         <p:nvSpPr>
-          <p:cNvPr name="Freeform 7" id="7"/>
+          <p:cNvPr name="Freeform 8" id="8"/>
           <p:cNvSpPr/>
           <p:nvPr/>
         </p:nvSpPr>
@@ -14076,7 +14124,7 @@
       </p:sp>
       <p:sp>
         <p:nvSpPr>
-          <p:cNvPr name="Freeform 8" id="8"/>
+          <p:cNvPr name="Freeform 9" id="9"/>
           <p:cNvSpPr/>
           <p:nvPr/>
         </p:nvSpPr>
@@ -14122,7 +14170,7 @@
       </p:sp>
       <p:sp>
         <p:nvSpPr>
-          <p:cNvPr name="Freeform 9" id="9"/>
+          <p:cNvPr name="Freeform 10" id="10"/>
           <p:cNvSpPr/>
           <p:nvPr/>
         </p:nvSpPr>
@@ -14168,7 +14216,7 @@
       </p:sp>
       <p:sp>
         <p:nvSpPr>
-          <p:cNvPr name="Freeform 10" id="10"/>
+          <p:cNvPr name="Freeform 11" id="11"/>
           <p:cNvSpPr/>
           <p:nvPr/>
         </p:nvSpPr>
@@ -14206,54 +14254,6 @@
           </a:custGeom>
           <a:blipFill>
             <a:blip r:embed="rId3"/>
-            <a:stretch>
-              <a:fillRect l="-28466" t="-12761" r="-34159" b="-6103"/>
-            </a:stretch>
-          </a:blipFill>
-        </p:spPr>
-      </p:sp>
-      <p:sp>
-        <p:nvSpPr>
-          <p:cNvPr name="Freeform 11" id="11"/>
-          <p:cNvSpPr/>
-          <p:nvPr/>
-        </p:nvSpPr>
-        <p:spPr>
-          <a:xfrm flipH="false" flipV="false" rot="0">
-            <a:off x="2114761" y="85952"/>
-            <a:ext cx="7922880" cy="8129830"/>
-          </a:xfrm>
-          <a:custGeom>
-            <a:avLst/>
-            <a:gdLst/>
-            <a:ahLst/>
-            <a:cxnLst/>
-            <a:rect r="r" b="b" t="t" l="l"/>
-            <a:pathLst>
-              <a:path h="8129830" w="7922880">
-                <a:moveTo>
-                  <a:pt x="0" y="0"/>
-                </a:moveTo>
-                <a:lnTo>
-                  <a:pt x="7922880" y="0"/>
-                </a:lnTo>
-                <a:lnTo>
-                  <a:pt x="7922880" y="8129830"/>
-                </a:lnTo>
-                <a:lnTo>
-                  <a:pt x="0" y="8129830"/>
-                </a:lnTo>
-                <a:lnTo>
-                  <a:pt x="0" y="0"/>
-                </a:lnTo>
-                <a:close/>
-              </a:path>
-            </a:pathLst>
-          </a:custGeom>
-          <a:blipFill>
-            <a:blip r:embed="rId3">
-              <a:alphaModFix amt="12000"/>
-            </a:blip>
             <a:stretch>
               <a:fillRect l="-28466" t="-12761" r="-34159" b="-6103"/>
             </a:stretch>
@@ -14292,9 +14292,57 @@
           <a:chExt cx="0" cy="0"/>
         </a:xfrm>
       </p:grpSpPr>
+      <p:sp>
+        <p:nvSpPr>
+          <p:cNvPr name="Freeform 2" id="2"/>
+          <p:cNvSpPr/>
+          <p:nvPr/>
+        </p:nvSpPr>
+        <p:spPr>
+          <a:xfrm flipH="false" flipV="false" rot="0">
+            <a:off x="2114761" y="85952"/>
+            <a:ext cx="7922880" cy="8129830"/>
+          </a:xfrm>
+          <a:custGeom>
+            <a:avLst/>
+            <a:gdLst/>
+            <a:ahLst/>
+            <a:cxnLst/>
+            <a:rect r="r" b="b" t="t" l="l"/>
+            <a:pathLst>
+              <a:path h="8129830" w="7922880">
+                <a:moveTo>
+                  <a:pt x="0" y="0"/>
+                </a:moveTo>
+                <a:lnTo>
+                  <a:pt x="7922880" y="0"/>
+                </a:lnTo>
+                <a:lnTo>
+                  <a:pt x="7922880" y="8129830"/>
+                </a:lnTo>
+                <a:lnTo>
+                  <a:pt x="0" y="8129830"/>
+                </a:lnTo>
+                <a:lnTo>
+                  <a:pt x="0" y="0"/>
+                </a:lnTo>
+                <a:close/>
+              </a:path>
+            </a:pathLst>
+          </a:custGeom>
+          <a:blipFill>
+            <a:blip r:embed="rId3">
+              <a:alphaModFix amt="12000"/>
+            </a:blip>
+            <a:stretch>
+              <a:fillRect l="-28466" t="-12761" r="-34159" b="-6103"/>
+            </a:stretch>
+          </a:blipFill>
+        </p:spPr>
+      </p:sp>
       <p:grpSp>
         <p:nvGrpSpPr>
-          <p:cNvPr name="Group 2" id="2"/>
+          <p:cNvPr name="Group 3" id="3"/>
           <p:cNvGrpSpPr/>
           <p:nvPr/>
         </p:nvGrpSpPr>
@@ -14308,7 +14356,7 @@
         </p:grpSpPr>
         <p:sp>
           <p:nvSpPr>
-            <p:cNvPr name="Freeform 3" id="3"/>
+            <p:cNvPr name="Freeform 4" id="4"/>
             <p:cNvSpPr/>
             <p:nvPr/>
           </p:nvSpPr>
@@ -14350,7 +14398,7 @@
         </p:sp>
         <p:sp>
           <p:nvSpPr>
-            <p:cNvPr name="TextBox 4" id="4"/>
+            <p:cNvPr name="TextBox 5" id="5"/>
             <p:cNvSpPr txBox="true"/>
             <p:nvPr/>
           </p:nvSpPr>
@@ -14409,7 +14457,7 @@
       </p:grpSp>
       <p:sp>
         <p:nvSpPr>
-          <p:cNvPr name="TextBox 5" id="5"/>
+          <p:cNvPr name="TextBox 6" id="6"/>
           <p:cNvSpPr txBox="true"/>
           <p:nvPr/>
         </p:nvSpPr>
@@ -14535,7 +14583,7 @@
       </p:sp>
       <p:sp>
         <p:nvSpPr>
-          <p:cNvPr name="Freeform 6" id="6"/>
+          <p:cNvPr name="Freeform 7" id="7"/>
           <p:cNvSpPr/>
           <p:nvPr/>
         </p:nvSpPr>
@@ -14581,7 +14629,7 @@
       </p:sp>
       <p:sp>
         <p:nvSpPr>
-          <p:cNvPr name="Freeform 7" id="7"/>
+          <p:cNvPr name="Freeform 8" id="8"/>
           <p:cNvSpPr/>
           <p:nvPr/>
         </p:nvSpPr>
@@ -14627,7 +14675,7 @@
       </p:sp>
       <p:sp>
         <p:nvSpPr>
-          <p:cNvPr name="Freeform 8" id="8"/>
+          <p:cNvPr name="Freeform 9" id="9"/>
           <p:cNvSpPr/>
           <p:nvPr/>
         </p:nvSpPr>
@@ -14673,7 +14721,7 @@
       </p:sp>
       <p:sp>
         <p:nvSpPr>
-          <p:cNvPr name="Freeform 9" id="9"/>
+          <p:cNvPr name="Freeform 10" id="10"/>
           <p:cNvSpPr/>
           <p:nvPr/>
         </p:nvSpPr>
@@ -14711,54 +14759,6 @@
           </a:custGeom>
           <a:blipFill>
             <a:blip r:embed="rId3"/>
-            <a:stretch>
-              <a:fillRect l="-28466" t="-12761" r="-34159" b="-6103"/>
-            </a:stretch>
-          </a:blipFill>
-        </p:spPr>
-      </p:sp>
-      <p:sp>
-        <p:nvSpPr>
-          <p:cNvPr name="Freeform 10" id="10"/>
-          <p:cNvSpPr/>
-          <p:nvPr/>
-        </p:nvSpPr>
-        <p:spPr>
-          <a:xfrm flipH="false" flipV="false" rot="0">
-            <a:off x="2114761" y="85952"/>
-            <a:ext cx="7922880" cy="8129830"/>
-          </a:xfrm>
-          <a:custGeom>
-            <a:avLst/>
-            <a:gdLst/>
-            <a:ahLst/>
-            <a:cxnLst/>
-            <a:rect r="r" b="b" t="t" l="l"/>
-            <a:pathLst>
-              <a:path h="8129830" w="7922880">
-                <a:moveTo>
-                  <a:pt x="0" y="0"/>
-                </a:moveTo>
-                <a:lnTo>
-                  <a:pt x="7922880" y="0"/>
-                </a:lnTo>
-                <a:lnTo>
-                  <a:pt x="7922880" y="8129830"/>
-                </a:lnTo>
-                <a:lnTo>
-                  <a:pt x="0" y="8129830"/>
-                </a:lnTo>
-                <a:lnTo>
-                  <a:pt x="0" y="0"/>
-                </a:lnTo>
-                <a:close/>
-              </a:path>
-            </a:pathLst>
-          </a:custGeom>
-          <a:blipFill>
-            <a:blip r:embed="rId3">
-              <a:alphaModFix amt="12000"/>
-            </a:blip>
             <a:stretch>
               <a:fillRect l="-28466" t="-12761" r="-34159" b="-6103"/>
             </a:stretch>
@@ -14797,9 +14797,57 @@
           <a:chExt cx="0" cy="0"/>
         </a:xfrm>
       </p:grpSpPr>
+      <p:sp>
+        <p:nvSpPr>
+          <p:cNvPr name="Freeform 2" id="2"/>
+          <p:cNvSpPr/>
+          <p:nvPr/>
+        </p:nvSpPr>
+        <p:spPr>
+          <a:xfrm flipH="false" flipV="false" rot="0">
+            <a:off x="2114761" y="85952"/>
+            <a:ext cx="7922880" cy="8129830"/>
+          </a:xfrm>
+          <a:custGeom>
+            <a:avLst/>
+            <a:gdLst/>
+            <a:ahLst/>
+            <a:cxnLst/>
+            <a:rect r="r" b="b" t="t" l="l"/>
+            <a:pathLst>
+              <a:path h="8129830" w="7922880">
+                <a:moveTo>
+                  <a:pt x="0" y="0"/>
+                </a:moveTo>
+                <a:lnTo>
+                  <a:pt x="7922880" y="0"/>
+                </a:lnTo>
+                <a:lnTo>
+                  <a:pt x="7922880" y="8129830"/>
+                </a:lnTo>
+                <a:lnTo>
+                  <a:pt x="0" y="8129830"/>
+                </a:lnTo>
+                <a:lnTo>
+                  <a:pt x="0" y="0"/>
+                </a:lnTo>
+                <a:close/>
+              </a:path>
+            </a:pathLst>
+          </a:custGeom>
+          <a:blipFill>
+            <a:blip r:embed="rId3">
+              <a:alphaModFix amt="12000"/>
+            </a:blip>
+            <a:stretch>
+              <a:fillRect l="-28466" t="-12761" r="-34159" b="-6103"/>
+            </a:stretch>
+          </a:blipFill>
+        </p:spPr>
+      </p:sp>
       <p:grpSp>
         <p:nvGrpSpPr>
-          <p:cNvPr name="Group 2" id="2"/>
+          <p:cNvPr name="Group 3" id="3"/>
           <p:cNvGrpSpPr/>
           <p:nvPr/>
         </p:nvGrpSpPr>
@@ -14813,7 +14861,7 @@
         </p:grpSpPr>
         <p:sp>
           <p:nvSpPr>
-            <p:cNvPr name="Freeform 3" id="3"/>
+            <p:cNvPr name="Freeform 4" id="4"/>
             <p:cNvSpPr/>
             <p:nvPr/>
           </p:nvSpPr>
@@ -14855,7 +14903,7 @@
         </p:sp>
         <p:sp>
           <p:nvSpPr>
-            <p:cNvPr name="TextBox 4" id="4"/>
+            <p:cNvPr name="TextBox 5" id="5"/>
             <p:cNvSpPr txBox="true"/>
             <p:nvPr/>
           </p:nvSpPr>
@@ -14895,7 +14943,7 @@
       </p:grpSp>
       <p:sp>
         <p:nvSpPr>
-          <p:cNvPr name="Freeform 5" id="5"/>
+          <p:cNvPr name="Freeform 6" id="6"/>
           <p:cNvSpPr/>
           <p:nvPr/>
         </p:nvSpPr>
@@ -14941,7 +14989,7 @@
       </p:sp>
       <p:sp>
         <p:nvSpPr>
-          <p:cNvPr name="Freeform 6" id="6"/>
+          <p:cNvPr name="Freeform 7" id="7"/>
           <p:cNvSpPr/>
           <p:nvPr/>
         </p:nvSpPr>
@@ -14987,7 +15035,7 @@
       </p:sp>
       <p:sp>
         <p:nvSpPr>
-          <p:cNvPr name="Freeform 7" id="7"/>
+          <p:cNvPr name="Freeform 8" id="8"/>
           <p:cNvSpPr/>
           <p:nvPr/>
         </p:nvSpPr>
@@ -15033,7 +15081,7 @@
       </p:sp>
       <p:sp>
         <p:nvSpPr>
-          <p:cNvPr name="TextBox 8" id="8"/>
+          <p:cNvPr name="TextBox 9" id="9"/>
           <p:cNvSpPr txBox="true"/>
           <p:nvPr/>
         </p:nvSpPr>
@@ -15130,54 +15178,6 @@
             </a:r>
           </a:p>
         </p:txBody>
-      </p:sp>
-      <p:sp>
-        <p:nvSpPr>
-          <p:cNvPr name="Freeform 9" id="9"/>
-          <p:cNvSpPr/>
-          <p:nvPr/>
-        </p:nvSpPr>
-        <p:spPr>
-          <a:xfrm flipH="false" flipV="false" rot="0">
-            <a:off x="2114761" y="85952"/>
-            <a:ext cx="7922880" cy="8129830"/>
-          </a:xfrm>
-          <a:custGeom>
-            <a:avLst/>
-            <a:gdLst/>
-            <a:ahLst/>
-            <a:cxnLst/>
-            <a:rect r="r" b="b" t="t" l="l"/>
-            <a:pathLst>
-              <a:path h="8129830" w="7922880">
-                <a:moveTo>
-                  <a:pt x="0" y="0"/>
-                </a:moveTo>
-                <a:lnTo>
-                  <a:pt x="7922880" y="0"/>
-                </a:lnTo>
-                <a:lnTo>
-                  <a:pt x="7922880" y="8129830"/>
-                </a:lnTo>
-                <a:lnTo>
-                  <a:pt x="0" y="8129830"/>
-                </a:lnTo>
-                <a:lnTo>
-                  <a:pt x="0" y="0"/>
-                </a:lnTo>
-                <a:close/>
-              </a:path>
-            </a:pathLst>
-          </a:custGeom>
-          <a:blipFill>
-            <a:blip r:embed="rId3">
-              <a:alphaModFix amt="12000"/>
-            </a:blip>
-            <a:stretch>
-              <a:fillRect l="-28466" t="-12761" r="-34159" b="-6103"/>
-            </a:stretch>
-          </a:blipFill>
-        </p:spPr>
       </p:sp>
     </p:spTree>
   </p:cSld>
@@ -15211,9 +15211,57 @@
           <a:chExt cx="0" cy="0"/>
         </a:xfrm>
       </p:grpSpPr>
+      <p:sp>
+        <p:nvSpPr>
+          <p:cNvPr name="Freeform 2" id="2"/>
+          <p:cNvSpPr/>
+          <p:nvPr/>
+        </p:nvSpPr>
+        <p:spPr>
+          <a:xfrm flipH="false" flipV="false" rot="0">
+            <a:off x="2114761" y="85952"/>
+            <a:ext cx="7922880" cy="8129830"/>
+          </a:xfrm>
+          <a:custGeom>
+            <a:avLst/>
+            <a:gdLst/>
+            <a:ahLst/>
+            <a:cxnLst/>
+            <a:rect r="r" b="b" t="t" l="l"/>
+            <a:pathLst>
+              <a:path h="8129830" w="7922880">
+                <a:moveTo>
+                  <a:pt x="0" y="0"/>
+                </a:moveTo>
+                <a:lnTo>
+                  <a:pt x="7922880" y="0"/>
+                </a:lnTo>
+                <a:lnTo>
+                  <a:pt x="7922880" y="8129830"/>
+                </a:lnTo>
+                <a:lnTo>
+                  <a:pt x="0" y="8129830"/>
+                </a:lnTo>
+                <a:lnTo>
+                  <a:pt x="0" y="0"/>
+                </a:lnTo>
+                <a:close/>
+              </a:path>
+            </a:pathLst>
+          </a:custGeom>
+          <a:blipFill>
+            <a:blip r:embed="rId3">
+              <a:alphaModFix amt="12000"/>
+            </a:blip>
+            <a:stretch>
+              <a:fillRect l="-28466" t="-12761" r="-34159" b="-6103"/>
+            </a:stretch>
+          </a:blipFill>
+        </p:spPr>
+      </p:sp>
       <p:grpSp>
         <p:nvGrpSpPr>
-          <p:cNvPr name="Group 2" id="2"/>
+          <p:cNvPr name="Group 3" id="3"/>
           <p:cNvGrpSpPr/>
           <p:nvPr/>
         </p:nvGrpSpPr>
@@ -15227,7 +15275,7 @@
         </p:grpSpPr>
         <p:sp>
           <p:nvSpPr>
-            <p:cNvPr name="Freeform 3" id="3"/>
+            <p:cNvPr name="Freeform 4" id="4"/>
             <p:cNvSpPr/>
             <p:nvPr/>
           </p:nvSpPr>
@@ -15269,7 +15317,7 @@
         </p:sp>
         <p:sp>
           <p:nvSpPr>
-            <p:cNvPr name="TextBox 4" id="4"/>
+            <p:cNvPr name="TextBox 5" id="5"/>
             <p:cNvSpPr txBox="true"/>
             <p:nvPr/>
           </p:nvSpPr>
@@ -15309,7 +15357,7 @@
       </p:grpSp>
       <p:sp>
         <p:nvSpPr>
-          <p:cNvPr name="TextBox 5" id="5"/>
+          <p:cNvPr name="TextBox 6" id="6"/>
           <p:cNvSpPr txBox="true"/>
           <p:nvPr/>
         </p:nvSpPr>
@@ -15461,7 +15509,7 @@
       </p:sp>
       <p:sp>
         <p:nvSpPr>
-          <p:cNvPr name="Freeform 6" id="6"/>
+          <p:cNvPr name="Freeform 7" id="7"/>
           <p:cNvSpPr/>
           <p:nvPr/>
         </p:nvSpPr>
@@ -15507,7 +15555,7 @@
       </p:sp>
       <p:sp>
         <p:nvSpPr>
-          <p:cNvPr name="Freeform 7" id="7"/>
+          <p:cNvPr name="Freeform 8" id="8"/>
           <p:cNvSpPr/>
           <p:nvPr/>
         </p:nvSpPr>
@@ -15553,7 +15601,7 @@
       </p:sp>
       <p:sp>
         <p:nvSpPr>
-          <p:cNvPr name="Freeform 8" id="8"/>
+          <p:cNvPr name="Freeform 9" id="9"/>
           <p:cNvSpPr/>
           <p:nvPr/>
         </p:nvSpPr>
@@ -15599,7 +15647,7 @@
       </p:sp>
       <p:sp>
         <p:nvSpPr>
-          <p:cNvPr name="Freeform 9" id="9"/>
+          <p:cNvPr name="Freeform 10" id="10"/>
           <p:cNvSpPr/>
           <p:nvPr/>
         </p:nvSpPr>
@@ -15645,7 +15693,7 @@
       </p:sp>
       <p:sp>
         <p:nvSpPr>
-          <p:cNvPr name="Freeform 10" id="10"/>
+          <p:cNvPr name="Freeform 11" id="11"/>
           <p:cNvSpPr/>
           <p:nvPr/>
         </p:nvSpPr>
@@ -15683,54 +15731,6 @@
           </a:custGeom>
           <a:blipFill>
             <a:blip r:embed="rId3"/>
-            <a:stretch>
-              <a:fillRect l="-28466" t="-12761" r="-34159" b="-6103"/>
-            </a:stretch>
-          </a:blipFill>
-        </p:spPr>
-      </p:sp>
-      <p:sp>
-        <p:nvSpPr>
-          <p:cNvPr name="Freeform 11" id="11"/>
-          <p:cNvSpPr/>
-          <p:nvPr/>
-        </p:nvSpPr>
-        <p:spPr>
-          <a:xfrm flipH="false" flipV="false" rot="0">
-            <a:off x="2114761" y="85952"/>
-            <a:ext cx="7922880" cy="8129830"/>
-          </a:xfrm>
-          <a:custGeom>
-            <a:avLst/>
-            <a:gdLst/>
-            <a:ahLst/>
-            <a:cxnLst/>
-            <a:rect r="r" b="b" t="t" l="l"/>
-            <a:pathLst>
-              <a:path h="8129830" w="7922880">
-                <a:moveTo>
-                  <a:pt x="0" y="0"/>
-                </a:moveTo>
-                <a:lnTo>
-                  <a:pt x="7922880" y="0"/>
-                </a:lnTo>
-                <a:lnTo>
-                  <a:pt x="7922880" y="8129830"/>
-                </a:lnTo>
-                <a:lnTo>
-                  <a:pt x="0" y="8129830"/>
-                </a:lnTo>
-                <a:lnTo>
-                  <a:pt x="0" y="0"/>
-                </a:lnTo>
-                <a:close/>
-              </a:path>
-            </a:pathLst>
-          </a:custGeom>
-          <a:blipFill>
-            <a:blip r:embed="rId3">
-              <a:alphaModFix amt="12000"/>
-            </a:blip>
             <a:stretch>
               <a:fillRect l="-28466" t="-12761" r="-34159" b="-6103"/>
             </a:stretch>
